--- a/02_活動圖/活動圖-蔡.pptx
+++ b/02_活動圖/活動圖-蔡.pptx
@@ -108,7 +108,18 @@
   </p:defaultTextStyle>
   <p:extLst>
     <p:ext uri="{EFAFB233-063F-42B5-8137-9DF3F51BA10A}">
-      <p15:sldGuideLst xmlns="" xmlns:p15="http://schemas.microsoft.com/office/powerpoint/2012/main"/>
+      <p15:sldGuideLst xmlns:p15="http://schemas.microsoft.com/office/powerpoint/2012/main">
+        <p15:guide id="1" orient="horz" pos="2160">
+          <p15:clr>
+            <a:srgbClr val="A4A3A4"/>
+          </p15:clr>
+        </p15:guide>
+        <p15:guide id="2" pos="3840">
+          <p15:clr>
+            <a:srgbClr val="A4A3A4"/>
+          </p15:clr>
+        </p15:guide>
+      </p15:sldGuideLst>
     </p:ext>
   </p:extLst>
 </p:presentation>
@@ -245,7 +256,7 @@
           <a:p>
             <a:fld id="{974EEC73-651C-4AB6-AB26-3342BCB710E8}" type="datetimeFigureOut">
               <a:rPr lang="zh-TW" altLang="en-US" smtClean="0"/>
-              <a:t>2021/1/15</a:t>
+              <a:t>2021/1/27</a:t>
             </a:fld>
             <a:endParaRPr lang="zh-TW" altLang="en-US"/>
           </a:p>
@@ -415,7 +426,7 @@
           <a:p>
             <a:fld id="{974EEC73-651C-4AB6-AB26-3342BCB710E8}" type="datetimeFigureOut">
               <a:rPr lang="zh-TW" altLang="en-US" smtClean="0"/>
-              <a:t>2021/1/15</a:t>
+              <a:t>2021/1/27</a:t>
             </a:fld>
             <a:endParaRPr lang="zh-TW" altLang="en-US"/>
           </a:p>
@@ -595,7 +606,7 @@
           <a:p>
             <a:fld id="{974EEC73-651C-4AB6-AB26-3342BCB710E8}" type="datetimeFigureOut">
               <a:rPr lang="zh-TW" altLang="en-US" smtClean="0"/>
-              <a:t>2021/1/15</a:t>
+              <a:t>2021/1/27</a:t>
             </a:fld>
             <a:endParaRPr lang="zh-TW" altLang="en-US"/>
           </a:p>
@@ -765,7 +776,7 @@
           <a:p>
             <a:fld id="{974EEC73-651C-4AB6-AB26-3342BCB710E8}" type="datetimeFigureOut">
               <a:rPr lang="zh-TW" altLang="en-US" smtClean="0"/>
-              <a:t>2021/1/15</a:t>
+              <a:t>2021/1/27</a:t>
             </a:fld>
             <a:endParaRPr lang="zh-TW" altLang="en-US"/>
           </a:p>
@@ -1011,7 +1022,7 @@
           <a:p>
             <a:fld id="{974EEC73-651C-4AB6-AB26-3342BCB710E8}" type="datetimeFigureOut">
               <a:rPr lang="zh-TW" altLang="en-US" smtClean="0"/>
-              <a:t>2021/1/15</a:t>
+              <a:t>2021/1/27</a:t>
             </a:fld>
             <a:endParaRPr lang="zh-TW" altLang="en-US"/>
           </a:p>
@@ -1243,7 +1254,7 @@
           <a:p>
             <a:fld id="{974EEC73-651C-4AB6-AB26-3342BCB710E8}" type="datetimeFigureOut">
               <a:rPr lang="zh-TW" altLang="en-US" smtClean="0"/>
-              <a:t>2021/1/15</a:t>
+              <a:t>2021/1/27</a:t>
             </a:fld>
             <a:endParaRPr lang="zh-TW" altLang="en-US"/>
           </a:p>
@@ -1610,7 +1621,7 @@
           <a:p>
             <a:fld id="{974EEC73-651C-4AB6-AB26-3342BCB710E8}" type="datetimeFigureOut">
               <a:rPr lang="zh-TW" altLang="en-US" smtClean="0"/>
-              <a:t>2021/1/15</a:t>
+              <a:t>2021/1/27</a:t>
             </a:fld>
             <a:endParaRPr lang="zh-TW" altLang="en-US"/>
           </a:p>
@@ -1728,7 +1739,7 @@
           <a:p>
             <a:fld id="{974EEC73-651C-4AB6-AB26-3342BCB710E8}" type="datetimeFigureOut">
               <a:rPr lang="zh-TW" altLang="en-US" smtClean="0"/>
-              <a:t>2021/1/15</a:t>
+              <a:t>2021/1/27</a:t>
             </a:fld>
             <a:endParaRPr lang="zh-TW" altLang="en-US"/>
           </a:p>
@@ -1823,7 +1834,7 @@
           <a:p>
             <a:fld id="{974EEC73-651C-4AB6-AB26-3342BCB710E8}" type="datetimeFigureOut">
               <a:rPr lang="zh-TW" altLang="en-US" smtClean="0"/>
-              <a:t>2021/1/15</a:t>
+              <a:t>2021/1/27</a:t>
             </a:fld>
             <a:endParaRPr lang="zh-TW" altLang="en-US"/>
           </a:p>
@@ -2100,7 +2111,7 @@
           <a:p>
             <a:fld id="{974EEC73-651C-4AB6-AB26-3342BCB710E8}" type="datetimeFigureOut">
               <a:rPr lang="zh-TW" altLang="en-US" smtClean="0"/>
-              <a:t>2021/1/15</a:t>
+              <a:t>2021/1/27</a:t>
             </a:fld>
             <a:endParaRPr lang="zh-TW" altLang="en-US"/>
           </a:p>
@@ -2353,7 +2364,7 @@
           <a:p>
             <a:fld id="{974EEC73-651C-4AB6-AB26-3342BCB710E8}" type="datetimeFigureOut">
               <a:rPr lang="zh-TW" altLang="en-US" smtClean="0"/>
-              <a:t>2021/1/15</a:t>
+              <a:t>2021/1/27</a:t>
             </a:fld>
             <a:endParaRPr lang="zh-TW" altLang="en-US"/>
           </a:p>
@@ -2566,7 +2577,7 @@
           <a:p>
             <a:fld id="{974EEC73-651C-4AB6-AB26-3342BCB710E8}" type="datetimeFigureOut">
               <a:rPr lang="zh-TW" altLang="en-US" smtClean="0"/>
-              <a:t>2021/1/15</a:t>
+              <a:t>2021/1/27</a:t>
             </a:fld>
             <a:endParaRPr lang="zh-TW" altLang="en-US"/>
           </a:p>
@@ -3187,21 +3198,7 @@
                       <a:latin typeface="標楷體" panose="03000509000000000000" pitchFamily="65" charset="-120"/>
                       <a:ea typeface="標楷體" panose="03000509000000000000" pitchFamily="65" charset="-120"/>
                     </a:rPr>
-                    <a:t>是否</a:t>
-                  </a:r>
-                  <a:r>
-                    <a:rPr lang="zh-TW" altLang="en-US" sz="1050" b="1" dirty="0" smtClean="0">
-                      <a:latin typeface="標楷體" panose="03000509000000000000" pitchFamily="65" charset="-120"/>
-                      <a:ea typeface="標楷體" panose="03000509000000000000" pitchFamily="65" charset="-120"/>
-                    </a:rPr>
-                    <a:t>具有會員資格</a:t>
-                  </a:r>
-                  <a:r>
-                    <a:rPr lang="zh-TW" altLang="en-US" sz="1050" b="1" dirty="0" smtClean="0">
-                      <a:latin typeface="標楷體" panose="03000509000000000000" pitchFamily="65" charset="-120"/>
-                      <a:ea typeface="標楷體" panose="03000509000000000000" pitchFamily="65" charset="-120"/>
-                    </a:rPr>
-                    <a:t>？</a:t>
+                    <a:t>是否具有會員資格？</a:t>
                   </a:r>
                   <a:r>
                     <a:rPr lang="en-US" altLang="zh-TW" sz="1050" b="1" dirty="0" smtClean="0">
@@ -3550,7 +3547,8 @@
                     <a:srgbClr val="C00000"/>
                   </a:solidFill>
                   <a:prstDash val="dash"/>
-                  <a:tailEnd type="triangle"/>
+                  <a:headEnd type="none" w="med" len="med"/>
+                  <a:tailEnd type="none" w="med" len="med"/>
                 </a:ln>
               </p:spPr>
               <p:style>
@@ -3701,13 +3699,6 @@
                     </a:rPr>
                     <a:t>登入</a:t>
                   </a:r>
-                  <a:endParaRPr lang="zh-TW" altLang="en-US" sz="1200" b="1" dirty="0">
-                    <a:solidFill>
-                      <a:schemeClr val="tx1"/>
-                    </a:solidFill>
-                    <a:latin typeface="標楷體" pitchFamily="65" charset="-120"/>
-                    <a:ea typeface="標楷體" pitchFamily="65" charset="-120"/>
-                  </a:endParaRPr>
                 </a:p>
               </p:txBody>
             </p:sp>
@@ -3978,7 +3969,8 @@
                     <a:srgbClr val="C00000"/>
                   </a:solidFill>
                   <a:prstDash val="dash"/>
-                  <a:tailEnd type="triangle"/>
+                  <a:headEnd type="none" w="med" len="med"/>
+                  <a:tailEnd type="none" w="med" len="med"/>
                 </a:ln>
               </p:spPr>
               <p:style>
@@ -4663,10 +4655,6 @@
                 </a:rPr>
                 <a:t>結束</a:t>
               </a:r>
-              <a:endParaRPr lang="zh-TW" altLang="en-US" sz="1200" b="1" dirty="0">
-                <a:latin typeface="標楷體" panose="03000509000000000000" pitchFamily="65" charset="-120"/>
-                <a:ea typeface="標楷體" panose="03000509000000000000" pitchFamily="65" charset="-120"/>
-              </a:endParaRPr>
             </a:p>
           </p:txBody>
         </p:sp>
@@ -4925,13 +4913,6 @@
                     </a:rPr>
                     <a:t>瀏覽</a:t>
                   </a:r>
-                  <a:endParaRPr lang="zh-TW" altLang="en-US" sz="1200" b="1" dirty="0">
-                    <a:solidFill>
-                      <a:schemeClr val="tx1"/>
-                    </a:solidFill>
-                    <a:latin typeface="標楷體" pitchFamily="65" charset="-120"/>
-                    <a:ea typeface="標楷體" pitchFamily="65" charset="-120"/>
-                  </a:endParaRPr>
                 </a:p>
               </p:txBody>
             </p:sp>
@@ -4964,10 +4945,6 @@
                     </a:rPr>
                     <a:t>行為者類型</a:t>
                   </a:r>
-                  <a:endParaRPr lang="zh-TW" altLang="en-US" sz="1050" b="1" dirty="0">
-                    <a:latin typeface="標楷體" panose="03000509000000000000" pitchFamily="65" charset="-120"/>
-                    <a:ea typeface="標楷體" panose="03000509000000000000" pitchFamily="65" charset="-120"/>
-                  </a:endParaRPr>
                 </a:p>
               </p:txBody>
             </p:sp>
@@ -5081,17 +5058,7 @@
                       <a:latin typeface="標楷體" panose="03000509000000000000" pitchFamily="65" charset="-120"/>
                       <a:ea typeface="標楷體" panose="03000509000000000000" pitchFamily="65" charset="-120"/>
                     </a:rPr>
-                    <a:t>1</a:t>
-                  </a:r>
-                  <a:r>
-                    <a:rPr lang="en-US" altLang="zh-TW" sz="1100" b="1" dirty="0" smtClean="0">
-                      <a:solidFill>
-                        <a:schemeClr val="tx1"/>
-                      </a:solidFill>
-                      <a:latin typeface="標楷體" panose="03000509000000000000" pitchFamily="65" charset="-120"/>
-                      <a:ea typeface="標楷體" panose="03000509000000000000" pitchFamily="65" charset="-120"/>
-                    </a:rPr>
-                    <a:t>.</a:t>
+                    <a:t>1.</a:t>
                   </a:r>
                   <a:r>
                     <a:rPr lang="zh-TW" altLang="en-US" sz="1100" b="1" dirty="0">
@@ -5121,17 +5088,7 @@
                       <a:latin typeface="標楷體" panose="03000509000000000000" pitchFamily="65" charset="-120"/>
                       <a:ea typeface="標楷體" panose="03000509000000000000" pitchFamily="65" charset="-120"/>
                     </a:rPr>
-                    <a:t>2</a:t>
-                  </a:r>
-                  <a:r>
-                    <a:rPr lang="en-US" altLang="zh-TW" sz="1100" b="1" dirty="0" smtClean="0">
-                      <a:solidFill>
-                        <a:schemeClr val="tx1"/>
-                      </a:solidFill>
-                      <a:latin typeface="標楷體" panose="03000509000000000000" pitchFamily="65" charset="-120"/>
-                      <a:ea typeface="標楷體" panose="03000509000000000000" pitchFamily="65" charset="-120"/>
-                    </a:rPr>
-                    <a:t>.</a:t>
+                    <a:t>2.</a:t>
                   </a:r>
                   <a:r>
                     <a:rPr lang="zh-TW" altLang="en-US" sz="1100" b="1" dirty="0">
@@ -5161,17 +5118,7 @@
                       <a:latin typeface="標楷體" panose="03000509000000000000" pitchFamily="65" charset="-120"/>
                       <a:ea typeface="標楷體" panose="03000509000000000000" pitchFamily="65" charset="-120"/>
                     </a:rPr>
-                    <a:t>3</a:t>
-                  </a:r>
-                  <a:r>
-                    <a:rPr lang="en-US" altLang="zh-TW" sz="1100" b="1" dirty="0" smtClean="0">
-                      <a:solidFill>
-                        <a:schemeClr val="tx1"/>
-                      </a:solidFill>
-                      <a:latin typeface="標楷體" panose="03000509000000000000" pitchFamily="65" charset="-120"/>
-                      <a:ea typeface="標楷體" panose="03000509000000000000" pitchFamily="65" charset="-120"/>
-                    </a:rPr>
-                    <a:t>.</a:t>
+                    <a:t>3.</a:t>
                   </a:r>
                   <a:r>
                     <a:rPr lang="zh-TW" altLang="en-US" sz="1100" b="1" dirty="0" smtClean="0">
@@ -5280,7 +5227,8 @@
                     <a:srgbClr val="C00000"/>
                   </a:solidFill>
                   <a:prstDash val="dash"/>
-                  <a:tailEnd type="triangle"/>
+                  <a:headEnd type="none" w="med" len="med"/>
+                  <a:tailEnd type="none" w="med" len="med"/>
                 </a:ln>
               </p:spPr>
               <p:style>
@@ -5356,13 +5304,6 @@
                     </a:rPr>
                     <a:t>設定訂購數量</a:t>
                   </a:r>
-                  <a:endParaRPr lang="zh-TW" altLang="en-US" sz="1200" b="1" dirty="0">
-                    <a:solidFill>
-                      <a:schemeClr val="tx1"/>
-                    </a:solidFill>
-                    <a:latin typeface="標楷體" pitchFamily="65" charset="-120"/>
-                    <a:ea typeface="標楷體" pitchFamily="65" charset="-120"/>
-                  </a:endParaRPr>
                 </a:p>
               </p:txBody>
             </p:sp>
@@ -5424,13 +5365,6 @@
                     </a:rPr>
                     <a:t>查閱</a:t>
                   </a:r>
-                  <a:endParaRPr lang="zh-TW" altLang="en-US" sz="1200" b="1" dirty="0">
-                    <a:solidFill>
-                      <a:schemeClr val="tx1"/>
-                    </a:solidFill>
-                    <a:latin typeface="標楷體" pitchFamily="65" charset="-120"/>
-                    <a:ea typeface="標楷體" pitchFamily="65" charset="-120"/>
-                  </a:endParaRPr>
                 </a:p>
               </p:txBody>
             </p:sp>
@@ -5541,10 +5475,6 @@
                     </a:rPr>
                     <a:t>管理者</a:t>
                   </a:r>
-                  <a:endParaRPr lang="zh-TW" altLang="en-US" sz="1050" b="1" dirty="0">
-                    <a:latin typeface="標楷體" panose="03000509000000000000" pitchFamily="65" charset="-120"/>
-                    <a:ea typeface="標楷體" panose="03000509000000000000" pitchFamily="65" charset="-120"/>
-                  </a:endParaRPr>
                 </a:p>
               </p:txBody>
             </p:sp>
@@ -5685,13 +5615,6 @@
                     </a:rPr>
                     <a:t>新增訂購商品</a:t>
                   </a:r>
-                  <a:endParaRPr lang="zh-TW" altLang="en-US" sz="1200" b="1" dirty="0">
-                    <a:solidFill>
-                      <a:schemeClr val="tx1"/>
-                    </a:solidFill>
-                    <a:latin typeface="標楷體" pitchFamily="65" charset="-120"/>
-                    <a:ea typeface="標楷體" pitchFamily="65" charset="-120"/>
-                  </a:endParaRPr>
                 </a:p>
               </p:txBody>
             </p:sp>
@@ -5789,13 +5712,6 @@
                     </a:rPr>
                     <a:t>計算總金額</a:t>
                   </a:r>
-                  <a:endParaRPr lang="zh-TW" altLang="en-US" sz="1200" b="1" dirty="0">
-                    <a:solidFill>
-                      <a:schemeClr val="tx1"/>
-                    </a:solidFill>
-                    <a:latin typeface="標楷體" pitchFamily="65" charset="-120"/>
-                    <a:ea typeface="標楷體" pitchFamily="65" charset="-120"/>
-                  </a:endParaRPr>
                 </a:p>
               </p:txBody>
             </p:sp>
@@ -6136,10 +6052,6 @@
                     </a:rPr>
                     <a:t>結束</a:t>
                   </a:r>
-                  <a:endParaRPr lang="zh-TW" altLang="en-US" sz="1200" b="1" dirty="0">
-                    <a:latin typeface="標楷體" panose="03000509000000000000" pitchFamily="65" charset="-120"/>
-                    <a:ea typeface="標楷體" panose="03000509000000000000" pitchFamily="65" charset="-120"/>
-                  </a:endParaRPr>
                 </a:p>
               </p:txBody>
             </p:sp>
@@ -6282,7 +6194,8 @@
                   <a:srgbClr val="C00000"/>
                 </a:solidFill>
                 <a:prstDash val="dash"/>
-                <a:tailEnd type="triangle"/>
+                <a:headEnd type="none" w="med" len="med"/>
+                <a:tailEnd type="none" w="med" len="med"/>
               </a:ln>
             </p:spPr>
             <p:style>
@@ -6432,7 +6345,8 @@
                   <a:srgbClr val="C00000"/>
                 </a:solidFill>
                 <a:prstDash val="dash"/>
-                <a:tailEnd type="triangle"/>
+                <a:headEnd type="none" w="med" len="med"/>
+                <a:tailEnd type="none" w="med" len="med"/>
               </a:ln>
             </p:spPr>
             <p:style>
@@ -6720,10 +6634,6 @@
                 </a:rPr>
                 <a:t>購物車</a:t>
               </a:r>
-              <a:endParaRPr lang="zh-TW" altLang="en-US" sz="1600" b="1" dirty="0">
-                <a:latin typeface="標楷體" panose="03000509000000000000" pitchFamily="65" charset="-120"/>
-                <a:ea typeface="標楷體" panose="03000509000000000000" pitchFamily="65" charset="-120"/>
-              </a:endParaRPr>
             </a:p>
           </p:txBody>
         </p:sp>
@@ -6760,417 +6670,1267 @@
       </p:grpSpPr>
       <p:grpSp>
         <p:nvGrpSpPr>
-          <p:cNvPr id="41" name="群組 40"/>
+          <p:cNvPr id="68" name="群組 67"/>
           <p:cNvGrpSpPr/>
           <p:nvPr/>
         </p:nvGrpSpPr>
         <p:grpSpPr>
           <a:xfrm>
-            <a:off x="3503087" y="1245389"/>
-            <a:ext cx="4987811" cy="4076451"/>
-            <a:chOff x="3242302" y="230791"/>
-            <a:chExt cx="4987811" cy="4076451"/>
+            <a:off x="3151395" y="1315728"/>
+            <a:ext cx="5460047" cy="4076451"/>
+            <a:chOff x="3186564" y="1245389"/>
+            <a:chExt cx="5460047" cy="4076451"/>
           </a:xfrm>
         </p:grpSpPr>
-        <p:sp>
-          <p:nvSpPr>
-            <p:cNvPr id="2" name="矩形 1"/>
-            <p:cNvSpPr/>
+        <p:grpSp>
+          <p:nvGrpSpPr>
+            <p:cNvPr id="41" name="群組 40"/>
+            <p:cNvGrpSpPr/>
             <p:nvPr/>
-          </p:nvSpPr>
-          <p:spPr>
+          </p:nvGrpSpPr>
+          <p:grpSpPr>
             <a:xfrm>
-              <a:off x="7466239" y="1531465"/>
-              <a:ext cx="763874" cy="1253081"/>
+              <a:off x="3186564" y="1245389"/>
+              <a:ext cx="4974736" cy="4076451"/>
+              <a:chOff x="2925779" y="230791"/>
+              <a:chExt cx="4974736" cy="4076451"/>
             </a:xfrm>
-            <a:prstGeom prst="rect">
-              <a:avLst/>
-            </a:prstGeom>
-            <a:solidFill>
-              <a:schemeClr val="accent1">
-                <a:lumMod val="20000"/>
-                <a:lumOff val="80000"/>
-              </a:schemeClr>
-            </a:solidFill>
-            <a:ln>
+          </p:grpSpPr>
+          <p:sp>
+            <p:nvSpPr>
+              <p:cNvPr id="3" name="文字方塊 2"/>
+              <p:cNvSpPr txBox="1"/>
+              <p:nvPr/>
+            </p:nvSpPr>
+            <p:spPr>
+              <a:xfrm>
+                <a:off x="4178037" y="559978"/>
+                <a:ext cx="1005403" cy="338554"/>
+              </a:xfrm>
+              <a:prstGeom prst="rect">
+                <a:avLst/>
+              </a:prstGeom>
+              <a:noFill/>
+            </p:spPr>
+            <p:txBody>
+              <a:bodyPr wrap="none" rtlCol="0">
+                <a:spAutoFit/>
+              </a:bodyPr>
+              <a:lstStyle/>
+              <a:p>
+                <a:r>
+                  <a:rPr lang="zh-TW" altLang="en-US" sz="1600" b="1" dirty="0" smtClean="0">
+                    <a:latin typeface="標楷體" panose="03000509000000000000" pitchFamily="65" charset="-120"/>
+                    <a:ea typeface="標楷體" panose="03000509000000000000" pitchFamily="65" charset="-120"/>
+                  </a:rPr>
+                  <a:t>會員</a:t>
+                </a:r>
+                <a:r>
+                  <a:rPr lang="zh-TW" altLang="en-US" sz="1600" b="1" dirty="0">
+                    <a:latin typeface="標楷體" panose="03000509000000000000" pitchFamily="65" charset="-120"/>
+                    <a:ea typeface="標楷體" panose="03000509000000000000" pitchFamily="65" charset="-120"/>
+                  </a:rPr>
+                  <a:t>管理</a:t>
+                </a:r>
+              </a:p>
+            </p:txBody>
+          </p:sp>
+          <p:sp>
+            <p:nvSpPr>
+              <p:cNvPr id="4" name="橢圓 3"/>
+              <p:cNvSpPr/>
+              <p:nvPr/>
+            </p:nvSpPr>
+            <p:spPr>
+              <a:xfrm>
+                <a:off x="5636586" y="507791"/>
+                <a:ext cx="228371" cy="216723"/>
+              </a:xfrm>
+              <a:prstGeom prst="ellipse">
+                <a:avLst/>
+              </a:prstGeom>
+              <a:solidFill>
+                <a:schemeClr val="accent6">
+                  <a:lumMod val="50000"/>
+                </a:schemeClr>
+              </a:solidFill>
+              <a:ln>
+                <a:solidFill>
+                  <a:schemeClr val="accent6">
+                    <a:lumMod val="50000"/>
+                  </a:schemeClr>
+                </a:solidFill>
+              </a:ln>
+            </p:spPr>
+            <p:style>
+              <a:lnRef idx="2">
+                <a:schemeClr val="accent1">
+                  <a:shade val="50000"/>
+                </a:schemeClr>
+              </a:lnRef>
+              <a:fillRef idx="1">
+                <a:schemeClr val="accent1"/>
+              </a:fillRef>
+              <a:effectRef idx="0">
+                <a:schemeClr val="accent1"/>
+              </a:effectRef>
+              <a:fontRef idx="minor">
+                <a:schemeClr val="lt1"/>
+              </a:fontRef>
+            </p:style>
+            <p:txBody>
+              <a:bodyPr rtlCol="0" anchor="ctr"/>
+              <a:lstStyle/>
+              <a:p>
+                <a:pPr algn="ctr"/>
+                <a:endParaRPr lang="zh-TW" altLang="en-US"/>
+              </a:p>
+            </p:txBody>
+          </p:sp>
+          <p:sp>
+            <p:nvSpPr>
+              <p:cNvPr id="5" name="文字方塊 4"/>
+              <p:cNvSpPr txBox="1"/>
+              <p:nvPr/>
+            </p:nvSpPr>
+            <p:spPr>
+              <a:xfrm>
+                <a:off x="5504550" y="230791"/>
+                <a:ext cx="492443" cy="276999"/>
+              </a:xfrm>
+              <a:prstGeom prst="rect">
+                <a:avLst/>
+              </a:prstGeom>
+              <a:noFill/>
+            </p:spPr>
+            <p:txBody>
+              <a:bodyPr wrap="none" rtlCol="0">
+                <a:spAutoFit/>
+              </a:bodyPr>
+              <a:lstStyle/>
+              <a:p>
+                <a:r>
+                  <a:rPr lang="zh-TW" altLang="en-US" sz="1200" b="1" dirty="0" smtClean="0">
+                    <a:latin typeface="標楷體" panose="03000509000000000000" pitchFamily="65" charset="-120"/>
+                    <a:ea typeface="標楷體" panose="03000509000000000000" pitchFamily="65" charset="-120"/>
+                  </a:rPr>
+                  <a:t>開始</a:t>
+                </a:r>
+                <a:endParaRPr lang="zh-TW" altLang="en-US" sz="1200" b="1" dirty="0">
+                  <a:latin typeface="標楷體" panose="03000509000000000000" pitchFamily="65" charset="-120"/>
+                  <a:ea typeface="標楷體" panose="03000509000000000000" pitchFamily="65" charset="-120"/>
+                </a:endParaRPr>
+              </a:p>
+            </p:txBody>
+          </p:sp>
+          <p:cxnSp>
+            <p:nvCxnSpPr>
+              <p:cNvPr id="6" name="直線單箭頭接點 5"/>
+              <p:cNvCxnSpPr/>
+              <p:nvPr/>
+            </p:nvCxnSpPr>
+            <p:spPr>
+              <a:xfrm flipH="1">
+                <a:off x="5750771" y="726304"/>
+                <a:ext cx="1" cy="349437"/>
+              </a:xfrm>
+              <a:prstGeom prst="straightConnector1">
+                <a:avLst/>
+              </a:prstGeom>
+              <a:ln>
+                <a:solidFill>
+                  <a:srgbClr val="C00000"/>
+                </a:solidFill>
+                <a:tailEnd type="arrow"/>
+              </a:ln>
+            </p:spPr>
+            <p:style>
+              <a:lnRef idx="1">
+                <a:schemeClr val="accent1"/>
+              </a:lnRef>
+              <a:fillRef idx="0">
+                <a:schemeClr val="accent1"/>
+              </a:fillRef>
+              <a:effectRef idx="0">
+                <a:schemeClr val="accent1"/>
+              </a:effectRef>
+              <a:fontRef idx="minor">
+                <a:schemeClr val="tx1"/>
+              </a:fontRef>
+            </p:style>
+          </p:cxnSp>
+          <p:sp>
+            <p:nvSpPr>
+              <p:cNvPr id="7" name="菱形 6"/>
+              <p:cNvSpPr/>
+              <p:nvPr/>
+            </p:nvSpPr>
+            <p:spPr>
+              <a:xfrm>
+                <a:off x="5450734" y="1075741"/>
+                <a:ext cx="600075" cy="600075"/>
+              </a:xfrm>
+              <a:prstGeom prst="diamond">
+                <a:avLst/>
+              </a:prstGeom>
+              <a:solidFill>
+                <a:schemeClr val="accent6">
+                  <a:lumMod val="50000"/>
+                </a:schemeClr>
+              </a:solidFill>
+              <a:ln>
+                <a:solidFill>
+                  <a:schemeClr val="accent6">
+                    <a:lumMod val="50000"/>
+                  </a:schemeClr>
+                </a:solidFill>
+              </a:ln>
+            </p:spPr>
+            <p:style>
+              <a:lnRef idx="2">
+                <a:schemeClr val="accent1">
+                  <a:shade val="50000"/>
+                </a:schemeClr>
+              </a:lnRef>
+              <a:fillRef idx="1">
+                <a:schemeClr val="accent1"/>
+              </a:fillRef>
+              <a:effectRef idx="0">
+                <a:schemeClr val="accent1"/>
+              </a:effectRef>
+              <a:fontRef idx="minor">
+                <a:schemeClr val="lt1"/>
+              </a:fontRef>
+            </p:style>
+            <p:txBody>
+              <a:bodyPr rtlCol="0" anchor="ctr"/>
+              <a:lstStyle/>
+              <a:p>
+                <a:pPr algn="ctr"/>
+                <a:endParaRPr lang="zh-TW" altLang="en-US"/>
+              </a:p>
+            </p:txBody>
+          </p:sp>
+          <p:cxnSp>
+            <p:nvCxnSpPr>
+              <p:cNvPr id="8" name="肘形接點 7"/>
+              <p:cNvCxnSpPr>
+                <a:stCxn id="7" idx="1"/>
+                <a:endCxn id="10" idx="0"/>
+              </p:cNvCxnSpPr>
+              <p:nvPr/>
+            </p:nvCxnSpPr>
+            <p:spPr>
+              <a:xfrm rot="10800000" flipV="1">
+                <a:off x="4774020" y="1375779"/>
+                <a:ext cx="676714" cy="539660"/>
+              </a:xfrm>
+              <a:prstGeom prst="bentConnector2">
+                <a:avLst/>
+              </a:prstGeom>
+              <a:ln>
+                <a:solidFill>
+                  <a:srgbClr val="C00000"/>
+                </a:solidFill>
+                <a:tailEnd type="arrow"/>
+              </a:ln>
+            </p:spPr>
+            <p:style>
+              <a:lnRef idx="1">
+                <a:schemeClr val="accent1"/>
+              </a:lnRef>
+              <a:fillRef idx="0">
+                <a:schemeClr val="accent1"/>
+              </a:fillRef>
+              <a:effectRef idx="0">
+                <a:schemeClr val="accent1"/>
+              </a:effectRef>
+              <a:fontRef idx="minor">
+                <a:schemeClr val="tx1"/>
+              </a:fontRef>
+            </p:style>
+          </p:cxnSp>
+          <p:sp>
+            <p:nvSpPr>
+              <p:cNvPr id="13" name="文字方塊 12"/>
+              <p:cNvSpPr txBox="1"/>
+              <p:nvPr/>
+            </p:nvSpPr>
+            <p:spPr>
+              <a:xfrm>
+                <a:off x="5745635" y="726304"/>
+                <a:ext cx="857927" cy="253916"/>
+              </a:xfrm>
+              <a:prstGeom prst="rect">
+                <a:avLst/>
+              </a:prstGeom>
+              <a:noFill/>
+            </p:spPr>
+            <p:txBody>
+              <a:bodyPr wrap="none" rtlCol="0">
+                <a:spAutoFit/>
+              </a:bodyPr>
+              <a:lstStyle/>
+              <a:p>
+                <a:r>
+                  <a:rPr lang="zh-TW" altLang="en-US" sz="1050" b="1" dirty="0">
+                    <a:latin typeface="標楷體" panose="03000509000000000000" pitchFamily="65" charset="-120"/>
+                    <a:ea typeface="標楷體" panose="03000509000000000000" pitchFamily="65" charset="-120"/>
+                  </a:rPr>
+                  <a:t>行為者類型</a:t>
+                </a:r>
+              </a:p>
+            </p:txBody>
+          </p:sp>
+          <p:cxnSp>
+            <p:nvCxnSpPr>
+              <p:cNvPr id="14" name="肘形接點 13"/>
+              <p:cNvCxnSpPr>
+                <a:stCxn id="7" idx="3"/>
+                <a:endCxn id="31" idx="0"/>
+              </p:cNvCxnSpPr>
+              <p:nvPr/>
+            </p:nvCxnSpPr>
+            <p:spPr>
+              <a:xfrm>
+                <a:off x="6050809" y="1375779"/>
+                <a:ext cx="669593" cy="424719"/>
+              </a:xfrm>
+              <a:prstGeom prst="bentConnector2">
+                <a:avLst/>
+              </a:prstGeom>
+              <a:ln>
+                <a:solidFill>
+                  <a:srgbClr val="C00000"/>
+                </a:solidFill>
+                <a:tailEnd type="arrow"/>
+              </a:ln>
+            </p:spPr>
+            <p:style>
+              <a:lnRef idx="1">
+                <a:schemeClr val="accent1"/>
+              </a:lnRef>
+              <a:fillRef idx="0">
+                <a:schemeClr val="accent1"/>
+              </a:fillRef>
+              <a:effectRef idx="0">
+                <a:schemeClr val="accent1"/>
+              </a:effectRef>
+              <a:fontRef idx="minor">
+                <a:schemeClr val="tx1"/>
+              </a:fontRef>
+            </p:style>
+          </p:cxnSp>
+          <p:sp>
+            <p:nvSpPr>
+              <p:cNvPr id="17" name="文字方塊 16"/>
+              <p:cNvSpPr txBox="1"/>
+              <p:nvPr/>
+            </p:nvSpPr>
+            <p:spPr>
+              <a:xfrm>
+                <a:off x="4818065" y="1124632"/>
+                <a:ext cx="588623" cy="253916"/>
+              </a:xfrm>
+              <a:prstGeom prst="rect">
+                <a:avLst/>
+              </a:prstGeom>
+              <a:noFill/>
+            </p:spPr>
+            <p:txBody>
+              <a:bodyPr wrap="none" rtlCol="0">
+                <a:spAutoFit/>
+              </a:bodyPr>
+              <a:lstStyle/>
+              <a:p>
+                <a:r>
+                  <a:rPr lang="zh-TW" altLang="en-US" sz="1050" b="1" dirty="0">
+                    <a:latin typeface="標楷體" panose="03000509000000000000" pitchFamily="65" charset="-120"/>
+                    <a:ea typeface="標楷體" panose="03000509000000000000" pitchFamily="65" charset="-120"/>
+                  </a:rPr>
+                  <a:t>行為</a:t>
+                </a:r>
+                <a:r>
+                  <a:rPr lang="zh-TW" altLang="en-US" sz="1050" b="1" dirty="0" smtClean="0">
+                    <a:latin typeface="標楷體" panose="03000509000000000000" pitchFamily="65" charset="-120"/>
+                    <a:ea typeface="標楷體" panose="03000509000000000000" pitchFamily="65" charset="-120"/>
+                  </a:rPr>
+                  <a:t>者</a:t>
+                </a:r>
+                <a:endParaRPr lang="zh-TW" altLang="en-US" sz="1050" b="1" dirty="0">
+                  <a:latin typeface="標楷體" panose="03000509000000000000" pitchFamily="65" charset="-120"/>
+                  <a:ea typeface="標楷體" panose="03000509000000000000" pitchFamily="65" charset="-120"/>
+                </a:endParaRPr>
+              </a:p>
+            </p:txBody>
+          </p:sp>
+          <p:sp>
+            <p:nvSpPr>
+              <p:cNvPr id="18" name="文字方塊 17"/>
+              <p:cNvSpPr txBox="1"/>
+              <p:nvPr/>
+            </p:nvSpPr>
+            <p:spPr>
+              <a:xfrm>
+                <a:off x="6089222" y="1118431"/>
+                <a:ext cx="588623" cy="253916"/>
+              </a:xfrm>
+              <a:prstGeom prst="rect">
+                <a:avLst/>
+              </a:prstGeom>
+              <a:noFill/>
+            </p:spPr>
+            <p:txBody>
+              <a:bodyPr wrap="none" rtlCol="0">
+                <a:spAutoFit/>
+              </a:bodyPr>
+              <a:lstStyle/>
+              <a:p>
+                <a:r>
+                  <a:rPr lang="zh-TW" altLang="en-US" sz="1050" b="1" dirty="0">
+                    <a:latin typeface="標楷體" panose="03000509000000000000" pitchFamily="65" charset="-120"/>
+                    <a:ea typeface="標楷體" panose="03000509000000000000" pitchFamily="65" charset="-120"/>
+                  </a:rPr>
+                  <a:t>管理者</a:t>
+                </a:r>
+              </a:p>
+            </p:txBody>
+          </p:sp>
+          <p:sp>
+            <p:nvSpPr>
+              <p:cNvPr id="19" name="矩形 18"/>
+              <p:cNvSpPr/>
+              <p:nvPr/>
+            </p:nvSpPr>
+            <p:spPr>
+              <a:xfrm>
+                <a:off x="2925779" y="1449750"/>
+                <a:ext cx="763874" cy="1416509"/>
+              </a:xfrm>
+              <a:prstGeom prst="rect">
+                <a:avLst/>
+              </a:prstGeom>
               <a:solidFill>
                 <a:schemeClr val="accent1">
                   <a:lumMod val="20000"/>
                   <a:lumOff val="80000"/>
                 </a:schemeClr>
               </a:solidFill>
-            </a:ln>
-          </p:spPr>
-          <p:style>
-            <a:lnRef idx="2">
-              <a:schemeClr val="accent1">
-                <a:shade val="50000"/>
-              </a:schemeClr>
-            </a:lnRef>
-            <a:fillRef idx="1">
-              <a:schemeClr val="accent1"/>
-            </a:fillRef>
-            <a:effectRef idx="0">
-              <a:schemeClr val="accent1"/>
-            </a:effectRef>
-            <a:fontRef idx="minor">
-              <a:schemeClr val="lt1"/>
-            </a:fontRef>
-          </p:style>
-          <p:txBody>
-            <a:bodyPr rtlCol="0" anchor="ctr"/>
-            <a:lstStyle/>
-            <a:p>
-              <a:pPr lvl="0" algn="ctr"/>
-              <a:r>
-                <a:rPr lang="zh-TW" altLang="en-US" sz="1100" b="1" dirty="0" smtClean="0">
+              <a:ln>
+                <a:solidFill>
+                  <a:schemeClr val="accent1">
+                    <a:lumMod val="20000"/>
+                    <a:lumOff val="80000"/>
+                  </a:schemeClr>
+                </a:solidFill>
+              </a:ln>
+            </p:spPr>
+            <p:style>
+              <a:lnRef idx="2">
+                <a:schemeClr val="accent1">
+                  <a:shade val="50000"/>
+                </a:schemeClr>
+              </a:lnRef>
+              <a:fillRef idx="1">
+                <a:schemeClr val="accent1"/>
+              </a:fillRef>
+              <a:effectRef idx="0">
+                <a:schemeClr val="accent1"/>
+              </a:effectRef>
+              <a:fontRef idx="minor">
+                <a:schemeClr val="lt1"/>
+              </a:fontRef>
+            </p:style>
+            <p:txBody>
+              <a:bodyPr rtlCol="0" anchor="ctr"/>
+              <a:lstStyle/>
+              <a:p>
+                <a:pPr lvl="0" algn="ctr"/>
+                <a:r>
+                  <a:rPr lang="en-US" altLang="zh-TW" sz="1100" b="1" dirty="0" smtClean="0">
+                    <a:solidFill>
+                      <a:schemeClr val="tx1"/>
+                    </a:solidFill>
+                    <a:latin typeface="標楷體" panose="03000509000000000000" pitchFamily="65" charset="-120"/>
+                    <a:ea typeface="標楷體" panose="03000509000000000000" pitchFamily="65" charset="-120"/>
+                  </a:rPr>
+                  <a:t>1.</a:t>
+                </a:r>
+                <a:r>
+                  <a:rPr lang="zh-TW" altLang="zh-TW" sz="1100" b="1" dirty="0" smtClean="0">
+                    <a:solidFill>
+                      <a:schemeClr val="tx1"/>
+                    </a:solidFill>
+                    <a:latin typeface="標楷體" panose="03000509000000000000" pitchFamily="65" charset="-120"/>
+                    <a:ea typeface="標楷體" panose="03000509000000000000" pitchFamily="65" charset="-120"/>
+                  </a:rPr>
+                  <a:t>帳號</a:t>
+                </a:r>
+                <a:endParaRPr lang="en-US" altLang="zh-TW" sz="1100" b="1" dirty="0" smtClean="0">
                   <a:solidFill>
                     <a:schemeClr val="tx1"/>
                   </a:solidFill>
                   <a:latin typeface="標楷體" panose="03000509000000000000" pitchFamily="65" charset="-120"/>
                   <a:ea typeface="標楷體" panose="03000509000000000000" pitchFamily="65" charset="-120"/>
-                </a:rPr>
-                <a:t>會員資料</a:t>
-              </a:r>
-              <a:r>
-                <a:rPr lang="en-US" altLang="zh-TW" sz="1100" b="1" dirty="0" smtClean="0">
+                </a:endParaRPr>
+              </a:p>
+              <a:p>
+                <a:pPr lvl="0" algn="ctr"/>
+                <a:r>
+                  <a:rPr lang="en-US" altLang="zh-TW" sz="1100" b="1" dirty="0" smtClean="0">
+                    <a:solidFill>
+                      <a:schemeClr val="tx1"/>
+                    </a:solidFill>
+                    <a:latin typeface="標楷體" panose="03000509000000000000" pitchFamily="65" charset="-120"/>
+                    <a:ea typeface="標楷體" panose="03000509000000000000" pitchFamily="65" charset="-120"/>
+                  </a:rPr>
+                  <a:t>2.</a:t>
+                </a:r>
+                <a:r>
+                  <a:rPr lang="zh-TW" altLang="zh-TW" sz="1100" b="1" dirty="0" smtClean="0">
+                    <a:solidFill>
+                      <a:schemeClr val="tx1"/>
+                    </a:solidFill>
+                    <a:latin typeface="標楷體" panose="03000509000000000000" pitchFamily="65" charset="-120"/>
+                    <a:ea typeface="標楷體" panose="03000509000000000000" pitchFamily="65" charset="-120"/>
+                  </a:rPr>
+                  <a:t>密碼</a:t>
+                </a:r>
+                <a:endParaRPr lang="en-US" altLang="zh-TW" sz="1100" b="1" dirty="0" smtClean="0">
                   <a:solidFill>
                     <a:schemeClr val="tx1"/>
                   </a:solidFill>
                   <a:latin typeface="標楷體" panose="03000509000000000000" pitchFamily="65" charset="-120"/>
                   <a:ea typeface="標楷體" panose="03000509000000000000" pitchFamily="65" charset="-120"/>
-                </a:rPr>
-                <a:t>:</a:t>
-              </a:r>
-            </a:p>
-            <a:p>
-              <a:pPr lvl="0" algn="ctr"/>
-              <a:r>
-                <a:rPr lang="en-US" altLang="zh-TW" sz="1100" b="1" dirty="0" smtClean="0">
+                </a:endParaRPr>
+              </a:p>
+              <a:p>
+                <a:pPr lvl="0" algn="ctr"/>
+                <a:r>
+                  <a:rPr lang="en-US" altLang="zh-TW" sz="1100" b="1" dirty="0" smtClean="0">
+                    <a:solidFill>
+                      <a:schemeClr val="tx1"/>
+                    </a:solidFill>
+                    <a:latin typeface="標楷體" panose="03000509000000000000" pitchFamily="65" charset="-120"/>
+                    <a:ea typeface="標楷體" panose="03000509000000000000" pitchFamily="65" charset="-120"/>
+                  </a:rPr>
+                  <a:t>3.</a:t>
+                </a:r>
+                <a:r>
+                  <a:rPr lang="zh-TW" altLang="zh-TW" sz="1100" b="1" dirty="0" smtClean="0">
+                    <a:solidFill>
+                      <a:schemeClr val="tx1"/>
+                    </a:solidFill>
+                    <a:latin typeface="標楷體" panose="03000509000000000000" pitchFamily="65" charset="-120"/>
+                    <a:ea typeface="標楷體" panose="03000509000000000000" pitchFamily="65" charset="-120"/>
+                  </a:rPr>
+                  <a:t>姓名</a:t>
+                </a:r>
+                <a:endParaRPr lang="en-US" altLang="zh-TW" sz="1100" b="1" dirty="0" smtClean="0">
                   <a:solidFill>
                     <a:schemeClr val="tx1"/>
                   </a:solidFill>
                   <a:latin typeface="標楷體" panose="03000509000000000000" pitchFamily="65" charset="-120"/>
                   <a:ea typeface="標楷體" panose="03000509000000000000" pitchFamily="65" charset="-120"/>
-                </a:rPr>
-                <a:t>1.</a:t>
-              </a:r>
-              <a:r>
-                <a:rPr lang="zh-TW" altLang="en-US" sz="1100" b="1" dirty="0" smtClean="0">
+                </a:endParaRPr>
+              </a:p>
+              <a:p>
+                <a:pPr lvl="0" algn="ctr"/>
+                <a:r>
+                  <a:rPr lang="en-US" altLang="zh-TW" sz="1100" b="1" dirty="0" smtClean="0">
+                    <a:solidFill>
+                      <a:schemeClr val="tx1"/>
+                    </a:solidFill>
+                    <a:latin typeface="標楷體" panose="03000509000000000000" pitchFamily="65" charset="-120"/>
+                    <a:ea typeface="標楷體" panose="03000509000000000000" pitchFamily="65" charset="-120"/>
+                  </a:rPr>
+                  <a:t>4.</a:t>
+                </a:r>
+                <a:r>
+                  <a:rPr lang="zh-TW" altLang="zh-TW" sz="1100" b="1" dirty="0" smtClean="0">
+                    <a:solidFill>
+                      <a:schemeClr val="tx1"/>
+                    </a:solidFill>
+                    <a:latin typeface="標楷體" panose="03000509000000000000" pitchFamily="65" charset="-120"/>
+                    <a:ea typeface="標楷體" panose="03000509000000000000" pitchFamily="65" charset="-120"/>
+                  </a:rPr>
+                  <a:t>電話</a:t>
+                </a:r>
+                <a:endParaRPr lang="en-US" altLang="zh-TW" sz="1100" b="1" dirty="0" smtClean="0">
                   <a:solidFill>
                     <a:schemeClr val="tx1"/>
                   </a:solidFill>
                   <a:latin typeface="標楷體" panose="03000509000000000000" pitchFamily="65" charset="-120"/>
                   <a:ea typeface="標楷體" panose="03000509000000000000" pitchFamily="65" charset="-120"/>
-                </a:rPr>
-                <a:t>維護</a:t>
-              </a:r>
-              <a:endParaRPr lang="en-US" altLang="zh-TW" sz="1100" b="1" dirty="0" smtClean="0">
-                <a:solidFill>
-                  <a:schemeClr val="tx1"/>
-                </a:solidFill>
-                <a:latin typeface="標楷體" panose="03000509000000000000" pitchFamily="65" charset="-120"/>
-                <a:ea typeface="標楷體" panose="03000509000000000000" pitchFamily="65" charset="-120"/>
-              </a:endParaRPr>
-            </a:p>
-            <a:p>
-              <a:pPr lvl="0" algn="ctr"/>
-              <a:r>
-                <a:rPr lang="en-US" altLang="zh-TW" sz="1100" b="1" dirty="0" smtClean="0">
+                </a:endParaRPr>
+              </a:p>
+              <a:p>
+                <a:pPr lvl="0" algn="ctr"/>
+                <a:r>
+                  <a:rPr lang="en-US" altLang="zh-TW" sz="1100" b="1" dirty="0" smtClean="0">
+                    <a:solidFill>
+                      <a:schemeClr val="tx1"/>
+                    </a:solidFill>
+                    <a:latin typeface="標楷體" panose="03000509000000000000" pitchFamily="65" charset="-120"/>
+                    <a:ea typeface="標楷體" panose="03000509000000000000" pitchFamily="65" charset="-120"/>
+                  </a:rPr>
+                  <a:t>5.e-mail</a:t>
+                </a:r>
+              </a:p>
+              <a:p>
+                <a:pPr lvl="0" algn="ctr"/>
+                <a:r>
+                  <a:rPr lang="en-US" altLang="zh-TW" sz="1100" b="1" dirty="0" smtClean="0">
+                    <a:solidFill>
+                      <a:schemeClr val="tx1"/>
+                    </a:solidFill>
+                    <a:latin typeface="標楷體" panose="03000509000000000000" pitchFamily="65" charset="-120"/>
+                    <a:ea typeface="標楷體" panose="03000509000000000000" pitchFamily="65" charset="-120"/>
+                  </a:rPr>
+                  <a:t>6.</a:t>
+                </a:r>
+                <a:r>
+                  <a:rPr lang="zh-TW" altLang="zh-TW" sz="1100" b="1" dirty="0" smtClean="0">
+                    <a:solidFill>
+                      <a:schemeClr val="tx1"/>
+                    </a:solidFill>
+                    <a:latin typeface="標楷體" panose="03000509000000000000" pitchFamily="65" charset="-120"/>
+                    <a:ea typeface="標楷體" panose="03000509000000000000" pitchFamily="65" charset="-120"/>
+                  </a:rPr>
+                  <a:t>地址</a:t>
+                </a:r>
+                <a:endParaRPr lang="en-US" altLang="zh-TW" sz="1100" b="1" dirty="0" smtClean="0">
                   <a:solidFill>
                     <a:schemeClr val="tx1"/>
                   </a:solidFill>
                   <a:latin typeface="標楷體" panose="03000509000000000000" pitchFamily="65" charset="-120"/>
                   <a:ea typeface="標楷體" panose="03000509000000000000" pitchFamily="65" charset="-120"/>
-                </a:rPr>
-                <a:t>2.</a:t>
-              </a:r>
-              <a:r>
-                <a:rPr lang="zh-TW" altLang="en-US" sz="1100" b="1" dirty="0" smtClean="0">
+                </a:endParaRPr>
+              </a:p>
+              <a:p>
+                <a:pPr lvl="0" algn="ctr"/>
+                <a:r>
+                  <a:rPr lang="en-US" altLang="zh-TW" sz="1100" b="1" dirty="0" smtClean="0">
+                    <a:solidFill>
+                      <a:schemeClr val="tx1"/>
+                    </a:solidFill>
+                    <a:latin typeface="標楷體" panose="03000509000000000000" pitchFamily="65" charset="-120"/>
+                    <a:ea typeface="標楷體" panose="03000509000000000000" pitchFamily="65" charset="-120"/>
+                  </a:rPr>
+                  <a:t>7.</a:t>
+                </a:r>
+                <a:r>
+                  <a:rPr lang="zh-TW" altLang="zh-TW" sz="1100" b="1" dirty="0" smtClean="0">
+                    <a:solidFill>
+                      <a:schemeClr val="tx1"/>
+                    </a:solidFill>
+                    <a:latin typeface="標楷體" panose="03000509000000000000" pitchFamily="65" charset="-120"/>
+                    <a:ea typeface="標楷體" panose="03000509000000000000" pitchFamily="65" charset="-120"/>
+                  </a:rPr>
+                  <a:t>生日</a:t>
+                </a:r>
+                <a:endParaRPr lang="zh-TW" altLang="zh-TW" sz="1100" b="1" dirty="0">
                   <a:solidFill>
                     <a:schemeClr val="tx1"/>
                   </a:solidFill>
                   <a:latin typeface="標楷體" panose="03000509000000000000" pitchFamily="65" charset="-120"/>
                   <a:ea typeface="標楷體" panose="03000509000000000000" pitchFamily="65" charset="-120"/>
-                </a:rPr>
-                <a:t>管理</a:t>
-              </a:r>
-              <a:endParaRPr lang="en-US" altLang="zh-TW" sz="1100" b="1" dirty="0" smtClean="0">
+                </a:endParaRPr>
+              </a:p>
+            </p:txBody>
+          </p:sp>
+          <p:cxnSp>
+            <p:nvCxnSpPr>
+              <p:cNvPr id="21" name="直線單箭頭接點 20"/>
+              <p:cNvCxnSpPr>
+                <a:stCxn id="54" idx="0"/>
+                <a:endCxn id="19" idx="3"/>
+              </p:cNvCxnSpPr>
+              <p:nvPr/>
+            </p:nvCxnSpPr>
+            <p:spPr>
+              <a:xfrm flipH="1" flipV="1">
+                <a:off x="3689653" y="2158005"/>
+                <a:ext cx="4210862" cy="505243"/>
+              </a:xfrm>
+              <a:prstGeom prst="straightConnector1">
+                <a:avLst/>
+              </a:prstGeom>
+              <a:ln>
                 <a:solidFill>
-                  <a:schemeClr val="tx1"/>
+                  <a:srgbClr val="C00000"/>
                 </a:solidFill>
-                <a:latin typeface="標楷體" panose="03000509000000000000" pitchFamily="65" charset="-120"/>
-                <a:ea typeface="標楷體" panose="03000509000000000000" pitchFamily="65" charset="-120"/>
-              </a:endParaRPr>
-            </a:p>
-            <a:p>
-              <a:pPr lvl="0" algn="ctr"/>
-              <a:r>
-                <a:rPr lang="en-US" altLang="zh-TW" sz="1100" b="1" dirty="0" smtClean="0">
+                <a:prstDash val="dash"/>
+                <a:headEnd type="none" w="med" len="med"/>
+                <a:tailEnd type="none" w="med" len="med"/>
+              </a:ln>
+            </p:spPr>
+            <p:style>
+              <a:lnRef idx="1">
+                <a:schemeClr val="accent1"/>
+              </a:lnRef>
+              <a:fillRef idx="0">
+                <a:schemeClr val="accent1"/>
+              </a:fillRef>
+              <a:effectRef idx="0">
+                <a:schemeClr val="accent1"/>
+              </a:effectRef>
+              <a:fontRef idx="minor">
+                <a:schemeClr val="tx1"/>
+              </a:fontRef>
+            </p:style>
+          </p:cxnSp>
+          <p:cxnSp>
+            <p:nvCxnSpPr>
+              <p:cNvPr id="23" name="直線單箭頭接點 22"/>
+              <p:cNvCxnSpPr>
+                <a:stCxn id="10" idx="1"/>
+                <a:endCxn id="19" idx="3"/>
+              </p:cNvCxnSpPr>
+              <p:nvPr/>
+            </p:nvCxnSpPr>
+            <p:spPr>
+              <a:xfrm flipH="1" flipV="1">
+                <a:off x="3689653" y="2158005"/>
+                <a:ext cx="599055" cy="1"/>
+              </a:xfrm>
+              <a:prstGeom prst="straightConnector1">
+                <a:avLst/>
+              </a:prstGeom>
+              <a:ln>
+                <a:solidFill>
+                  <a:srgbClr val="C00000"/>
+                </a:solidFill>
+                <a:prstDash val="dash"/>
+                <a:headEnd type="none" w="med" len="med"/>
+                <a:tailEnd type="none" w="med" len="med"/>
+              </a:ln>
+            </p:spPr>
+            <p:style>
+              <a:lnRef idx="1">
+                <a:schemeClr val="accent1"/>
+              </a:lnRef>
+              <a:fillRef idx="0">
+                <a:schemeClr val="accent1"/>
+              </a:fillRef>
+              <a:effectRef idx="0">
+                <a:schemeClr val="accent1"/>
+              </a:effectRef>
+              <a:fontRef idx="minor">
+                <a:schemeClr val="tx1"/>
+              </a:fontRef>
+            </p:style>
+          </p:cxnSp>
+          <p:cxnSp>
+            <p:nvCxnSpPr>
+              <p:cNvPr id="24" name="直線單箭頭接點 23"/>
+              <p:cNvCxnSpPr/>
+              <p:nvPr/>
+            </p:nvCxnSpPr>
+            <p:spPr>
+              <a:xfrm flipH="1">
+                <a:off x="4774018" y="2400573"/>
+                <a:ext cx="1" cy="349437"/>
+              </a:xfrm>
+              <a:prstGeom prst="straightConnector1">
+                <a:avLst/>
+              </a:prstGeom>
+              <a:ln>
+                <a:solidFill>
+                  <a:srgbClr val="C00000"/>
+                </a:solidFill>
+                <a:tailEnd type="arrow"/>
+              </a:ln>
+            </p:spPr>
+            <p:style>
+              <a:lnRef idx="1">
+                <a:schemeClr val="accent1"/>
+              </a:lnRef>
+              <a:fillRef idx="0">
+                <a:schemeClr val="accent1"/>
+              </a:fillRef>
+              <a:effectRef idx="0">
+                <a:schemeClr val="accent1"/>
+              </a:effectRef>
+              <a:fontRef idx="minor">
+                <a:schemeClr val="tx1"/>
+              </a:fontRef>
+            </p:style>
+          </p:cxnSp>
+          <p:sp>
+            <p:nvSpPr>
+              <p:cNvPr id="25" name="菱形 24"/>
+              <p:cNvSpPr/>
+              <p:nvPr/>
+            </p:nvSpPr>
+            <p:spPr>
+              <a:xfrm>
+                <a:off x="4473982" y="2750010"/>
+                <a:ext cx="600075" cy="600075"/>
+              </a:xfrm>
+              <a:prstGeom prst="diamond">
+                <a:avLst/>
+              </a:prstGeom>
+              <a:solidFill>
+                <a:schemeClr val="accent6">
+                  <a:lumMod val="50000"/>
+                </a:schemeClr>
+              </a:solidFill>
+              <a:ln>
+                <a:solidFill>
+                  <a:schemeClr val="accent6">
+                    <a:lumMod val="50000"/>
+                  </a:schemeClr>
+                </a:solidFill>
+              </a:ln>
+            </p:spPr>
+            <p:style>
+              <a:lnRef idx="2">
+                <a:schemeClr val="accent1">
+                  <a:shade val="50000"/>
+                </a:schemeClr>
+              </a:lnRef>
+              <a:fillRef idx="1">
+                <a:schemeClr val="accent1"/>
+              </a:fillRef>
+              <a:effectRef idx="0">
+                <a:schemeClr val="accent1"/>
+              </a:effectRef>
+              <a:fontRef idx="minor">
+                <a:schemeClr val="lt1"/>
+              </a:fontRef>
+            </p:style>
+            <p:txBody>
+              <a:bodyPr rtlCol="0" anchor="ctr"/>
+              <a:lstStyle/>
+              <a:p>
+                <a:pPr algn="ctr"/>
+                <a:endParaRPr lang="zh-TW" altLang="en-US"/>
+              </a:p>
+            </p:txBody>
+          </p:sp>
+          <p:sp>
+            <p:nvSpPr>
+              <p:cNvPr id="26" name="文字方塊 25"/>
+              <p:cNvSpPr txBox="1"/>
+              <p:nvPr/>
+            </p:nvSpPr>
+            <p:spPr>
+              <a:xfrm>
+                <a:off x="4774018" y="2409332"/>
+                <a:ext cx="1531188" cy="253916"/>
+              </a:xfrm>
+              <a:prstGeom prst="rect">
+                <a:avLst/>
+              </a:prstGeom>
+              <a:noFill/>
+            </p:spPr>
+            <p:txBody>
+              <a:bodyPr wrap="none" rtlCol="0">
+                <a:spAutoFit/>
+              </a:bodyPr>
+              <a:lstStyle/>
+              <a:p>
+                <a:r>
+                  <a:rPr lang="en-US" altLang="zh-TW" sz="1050" b="1" dirty="0" smtClean="0">
+                    <a:latin typeface="標楷體" panose="03000509000000000000" pitchFamily="65" charset="-120"/>
+                    <a:ea typeface="標楷體" panose="03000509000000000000" pitchFamily="65" charset="-120"/>
+                  </a:rPr>
+                  <a:t>[</a:t>
+                </a:r>
+                <a:r>
+                  <a:rPr lang="zh-TW" altLang="en-US" sz="1050" b="1" dirty="0" smtClean="0">
+                    <a:latin typeface="標楷體" panose="03000509000000000000" pitchFamily="65" charset="-120"/>
+                    <a:ea typeface="標楷體" panose="03000509000000000000" pitchFamily="65" charset="-120"/>
+                  </a:rPr>
+                  <a:t>資料輸入是否正確？</a:t>
+                </a:r>
+                <a:r>
+                  <a:rPr lang="en-US" altLang="zh-TW" sz="1050" b="1" dirty="0" smtClean="0">
+                    <a:latin typeface="標楷體" panose="03000509000000000000" pitchFamily="65" charset="-120"/>
+                    <a:ea typeface="標楷體" panose="03000509000000000000" pitchFamily="65" charset="-120"/>
+                  </a:rPr>
+                  <a:t>]</a:t>
+                </a:r>
+                <a:endParaRPr lang="zh-TW" altLang="en-US" sz="1050" b="1" dirty="0">
+                  <a:latin typeface="標楷體" panose="03000509000000000000" pitchFamily="65" charset="-120"/>
+                  <a:ea typeface="標楷體" panose="03000509000000000000" pitchFamily="65" charset="-120"/>
+                </a:endParaRPr>
+              </a:p>
+            </p:txBody>
+          </p:sp>
+          <p:cxnSp>
+            <p:nvCxnSpPr>
+              <p:cNvPr id="27" name="直線單箭頭接點 26"/>
+              <p:cNvCxnSpPr/>
+              <p:nvPr/>
+            </p:nvCxnSpPr>
+            <p:spPr>
+              <a:xfrm flipH="1">
+                <a:off x="4774018" y="3356895"/>
+                <a:ext cx="1" cy="349437"/>
+              </a:xfrm>
+              <a:prstGeom prst="straightConnector1">
+                <a:avLst/>
+              </a:prstGeom>
+              <a:ln>
+                <a:solidFill>
+                  <a:srgbClr val="C00000"/>
+                </a:solidFill>
+                <a:tailEnd type="arrow"/>
+              </a:ln>
+            </p:spPr>
+            <p:style>
+              <a:lnRef idx="1">
+                <a:schemeClr val="accent1"/>
+              </a:lnRef>
+              <a:fillRef idx="0">
+                <a:schemeClr val="accent1"/>
+              </a:fillRef>
+              <a:effectRef idx="0">
+                <a:schemeClr val="accent1"/>
+              </a:effectRef>
+              <a:fontRef idx="minor">
+                <a:schemeClr val="tx1"/>
+              </a:fontRef>
+            </p:style>
+          </p:cxnSp>
+          <p:grpSp>
+            <p:nvGrpSpPr>
+              <p:cNvPr id="32" name="群組 31"/>
+              <p:cNvGrpSpPr/>
+              <p:nvPr/>
+            </p:nvGrpSpPr>
+            <p:grpSpPr>
+              <a:xfrm>
+                <a:off x="4527796" y="3706332"/>
+                <a:ext cx="492443" cy="600910"/>
+                <a:chOff x="4533925" y="5978194"/>
+                <a:chExt cx="492443" cy="600910"/>
+              </a:xfrm>
+            </p:grpSpPr>
+            <p:sp>
+              <p:nvSpPr>
+                <p:cNvPr id="28" name="橢圓 27"/>
+                <p:cNvSpPr/>
+                <p:nvPr/>
+              </p:nvSpPr>
+              <p:spPr>
+                <a:xfrm>
+                  <a:off x="4670896" y="6030363"/>
+                  <a:ext cx="228371" cy="216723"/>
+                </a:xfrm>
+                <a:prstGeom prst="ellipse">
+                  <a:avLst/>
+                </a:prstGeom>
+                <a:solidFill>
+                  <a:schemeClr val="accent6">
+                    <a:lumMod val="50000"/>
+                  </a:schemeClr>
+                </a:solidFill>
+                <a:ln>
+                  <a:solidFill>
+                    <a:schemeClr val="accent6">
+                      <a:lumMod val="50000"/>
+                    </a:schemeClr>
+                  </a:solidFill>
+                </a:ln>
+              </p:spPr>
+              <p:style>
+                <a:lnRef idx="2">
+                  <a:schemeClr val="accent1">
+                    <a:shade val="50000"/>
+                  </a:schemeClr>
+                </a:lnRef>
+                <a:fillRef idx="1">
+                  <a:schemeClr val="accent1"/>
+                </a:fillRef>
+                <a:effectRef idx="0">
+                  <a:schemeClr val="accent1"/>
+                </a:effectRef>
+                <a:fontRef idx="minor">
+                  <a:schemeClr val="lt1"/>
+                </a:fontRef>
+              </p:style>
+              <p:txBody>
+                <a:bodyPr rtlCol="0" anchor="ctr"/>
+                <a:lstStyle/>
+                <a:p>
+                  <a:pPr algn="ctr"/>
+                  <a:endParaRPr lang="zh-TW" altLang="en-US"/>
+                </a:p>
+              </p:txBody>
+            </p:sp>
+            <p:sp>
+              <p:nvSpPr>
+                <p:cNvPr id="29" name="橢圓 28"/>
+                <p:cNvSpPr/>
+                <p:nvPr/>
+              </p:nvSpPr>
+              <p:spPr>
+                <a:xfrm>
+                  <a:off x="4619616" y="5978194"/>
+                  <a:ext cx="321062" cy="321062"/>
+                </a:xfrm>
+                <a:prstGeom prst="ellipse">
+                  <a:avLst/>
+                </a:prstGeom>
+                <a:noFill/>
+                <a:ln>
                   <a:solidFill>
                     <a:schemeClr val="tx1"/>
                   </a:solidFill>
+                </a:ln>
+              </p:spPr>
+              <p:style>
+                <a:lnRef idx="2">
+                  <a:schemeClr val="accent1">
+                    <a:shade val="50000"/>
+                  </a:schemeClr>
+                </a:lnRef>
+                <a:fillRef idx="1">
+                  <a:schemeClr val="accent1"/>
+                </a:fillRef>
+                <a:effectRef idx="0">
+                  <a:schemeClr val="accent1"/>
+                </a:effectRef>
+                <a:fontRef idx="minor">
+                  <a:schemeClr val="lt1"/>
+                </a:fontRef>
+              </p:style>
+              <p:txBody>
+                <a:bodyPr rtlCol="0" anchor="ctr"/>
+                <a:lstStyle/>
+                <a:p>
+                  <a:pPr algn="ctr"/>
+                  <a:endParaRPr lang="zh-TW" altLang="en-US"/>
+                </a:p>
+              </p:txBody>
+            </p:sp>
+            <p:sp>
+              <p:nvSpPr>
+                <p:cNvPr id="30" name="文字方塊 29"/>
+                <p:cNvSpPr txBox="1"/>
+                <p:nvPr/>
+              </p:nvSpPr>
+              <p:spPr>
+                <a:xfrm>
+                  <a:off x="4533925" y="6302105"/>
+                  <a:ext cx="492443" cy="276999"/>
+                </a:xfrm>
+                <a:prstGeom prst="rect">
+                  <a:avLst/>
+                </a:prstGeom>
+                <a:noFill/>
+              </p:spPr>
+              <p:txBody>
+                <a:bodyPr wrap="none" rtlCol="0">
+                  <a:spAutoFit/>
+                </a:bodyPr>
+                <a:lstStyle/>
+                <a:p>
+                  <a:r>
+                    <a:rPr lang="zh-TW" altLang="en-US" sz="1200" b="1" dirty="0">
+                      <a:latin typeface="標楷體" panose="03000509000000000000" pitchFamily="65" charset="-120"/>
+                      <a:ea typeface="標楷體" panose="03000509000000000000" pitchFamily="65" charset="-120"/>
+                    </a:rPr>
+                    <a:t>結束</a:t>
+                  </a:r>
+                </a:p>
+              </p:txBody>
+            </p:sp>
+          </p:grpSp>
+          <p:sp>
+            <p:nvSpPr>
+              <p:cNvPr id="33" name="文字方塊 32"/>
+              <p:cNvSpPr txBox="1"/>
+              <p:nvPr/>
+            </p:nvSpPr>
+            <p:spPr>
+              <a:xfrm>
+                <a:off x="4774699" y="3356895"/>
+                <a:ext cx="415498" cy="276999"/>
+              </a:xfrm>
+              <a:prstGeom prst="rect">
+                <a:avLst/>
+              </a:prstGeom>
+              <a:noFill/>
+            </p:spPr>
+            <p:txBody>
+              <a:bodyPr wrap="none" rtlCol="0">
+                <a:spAutoFit/>
+              </a:bodyPr>
+              <a:lstStyle/>
+              <a:p>
+                <a:r>
+                  <a:rPr lang="en-US" altLang="zh-TW" sz="1200" b="1" dirty="0" smtClean="0">
+                    <a:latin typeface="標楷體" panose="03000509000000000000" pitchFamily="65" charset="-120"/>
+                    <a:ea typeface="標楷體" panose="03000509000000000000" pitchFamily="65" charset="-120"/>
+                  </a:rPr>
+                  <a:t>Yes</a:t>
+                </a:r>
+                <a:endParaRPr lang="zh-TW" altLang="en-US" sz="1200" b="1" dirty="0">
                   <a:latin typeface="標楷體" panose="03000509000000000000" pitchFamily="65" charset="-120"/>
                   <a:ea typeface="標楷體" panose="03000509000000000000" pitchFamily="65" charset="-120"/>
-                </a:rPr>
-                <a:t>3.</a:t>
-              </a:r>
-              <a:r>
-                <a:rPr lang="zh-TW" altLang="en-US" sz="1100" b="1" dirty="0" smtClean="0">
+                </a:endParaRPr>
+              </a:p>
+            </p:txBody>
+          </p:sp>
+          <p:sp>
+            <p:nvSpPr>
+              <p:cNvPr id="34" name="文字方塊 33"/>
+              <p:cNvSpPr txBox="1"/>
+              <p:nvPr/>
+            </p:nvSpPr>
+            <p:spPr>
+              <a:xfrm>
+                <a:off x="4120775" y="2779396"/>
+                <a:ext cx="338554" cy="276999"/>
+              </a:xfrm>
+              <a:prstGeom prst="rect">
+                <a:avLst/>
+              </a:prstGeom>
+              <a:noFill/>
+            </p:spPr>
+            <p:txBody>
+              <a:bodyPr wrap="none" rtlCol="0">
+                <a:spAutoFit/>
+              </a:bodyPr>
+              <a:lstStyle/>
+              <a:p>
+                <a:r>
+                  <a:rPr lang="en-US" altLang="zh-TW" sz="1200" b="1" dirty="0" smtClean="0">
+                    <a:latin typeface="標楷體" panose="03000509000000000000" pitchFamily="65" charset="-120"/>
+                    <a:ea typeface="標楷體" panose="03000509000000000000" pitchFamily="65" charset="-120"/>
+                  </a:rPr>
+                  <a:t>No</a:t>
+                </a:r>
+                <a:endParaRPr lang="zh-TW" altLang="en-US" sz="1200" b="1" dirty="0">
+                  <a:latin typeface="標楷體" panose="03000509000000000000" pitchFamily="65" charset="-120"/>
+                  <a:ea typeface="標楷體" panose="03000509000000000000" pitchFamily="65" charset="-120"/>
+                </a:endParaRPr>
+              </a:p>
+            </p:txBody>
+          </p:sp>
+          <p:cxnSp>
+            <p:nvCxnSpPr>
+              <p:cNvPr id="38" name="肘形接點 37"/>
+              <p:cNvCxnSpPr>
+                <a:stCxn id="25" idx="1"/>
+                <a:endCxn id="10" idx="1"/>
+              </p:cNvCxnSpPr>
+              <p:nvPr/>
+            </p:nvCxnSpPr>
+            <p:spPr>
+              <a:xfrm rot="10800000">
+                <a:off x="4288708" y="2158006"/>
+                <a:ext cx="185274" cy="892042"/>
+              </a:xfrm>
+              <a:prstGeom prst="bentConnector3">
+                <a:avLst>
+                  <a:gd name="adj1" fmla="val 223385"/>
+                </a:avLst>
+              </a:prstGeom>
+              <a:ln>
+                <a:solidFill>
+                  <a:srgbClr val="C00000"/>
+                </a:solidFill>
+                <a:tailEnd type="arrow"/>
+              </a:ln>
+            </p:spPr>
+            <p:style>
+              <a:lnRef idx="1">
+                <a:schemeClr val="accent1"/>
+              </a:lnRef>
+              <a:fillRef idx="0">
+                <a:schemeClr val="accent1"/>
+              </a:fillRef>
+              <a:effectRef idx="0">
+                <a:schemeClr val="accent1"/>
+              </a:effectRef>
+              <a:fontRef idx="minor">
+                <a:schemeClr val="tx1"/>
+              </a:fontRef>
+            </p:style>
+          </p:cxnSp>
+          <p:sp>
+            <p:nvSpPr>
+              <p:cNvPr id="10" name="圓角矩形 9"/>
+              <p:cNvSpPr/>
+              <p:nvPr/>
+            </p:nvSpPr>
+            <p:spPr>
+              <a:xfrm>
+                <a:off x="4288708" y="1915439"/>
+                <a:ext cx="970623" cy="485134"/>
+              </a:xfrm>
+              <a:prstGeom prst="roundRect">
+                <a:avLst/>
+              </a:prstGeom>
+              <a:solidFill>
+                <a:schemeClr val="bg1">
+                  <a:lumMod val="75000"/>
+                </a:schemeClr>
+              </a:solidFill>
+              <a:ln>
+                <a:solidFill>
+                  <a:schemeClr val="bg1">
+                    <a:lumMod val="75000"/>
+                  </a:schemeClr>
+                </a:solidFill>
+              </a:ln>
+            </p:spPr>
+            <p:style>
+              <a:lnRef idx="2">
+                <a:schemeClr val="accent1">
+                  <a:shade val="50000"/>
+                </a:schemeClr>
+              </a:lnRef>
+              <a:fillRef idx="1">
+                <a:schemeClr val="accent1"/>
+              </a:fillRef>
+              <a:effectRef idx="0">
+                <a:schemeClr val="accent1"/>
+              </a:effectRef>
+              <a:fontRef idx="minor">
+                <a:schemeClr val="lt1"/>
+              </a:fontRef>
+            </p:style>
+            <p:txBody>
+              <a:bodyPr rtlCol="0" anchor="ctr"/>
+              <a:lstStyle/>
+              <a:p>
+                <a:pPr algn="ctr"/>
+                <a:r>
+                  <a:rPr lang="zh-TW" altLang="en-US" sz="1200" b="1" dirty="0" smtClean="0">
+                    <a:solidFill>
+                      <a:schemeClr val="tx1"/>
+                    </a:solidFill>
+                    <a:latin typeface="標楷體" pitchFamily="65" charset="-120"/>
+                    <a:ea typeface="標楷體" pitchFamily="65" charset="-120"/>
+                  </a:rPr>
+                  <a:t>修改資料</a:t>
+                </a:r>
+                <a:endParaRPr lang="zh-TW" altLang="en-US" sz="1200" b="1" dirty="0">
                   <a:solidFill>
                     <a:schemeClr val="tx1"/>
                   </a:solidFill>
-                  <a:latin typeface="標楷體" panose="03000509000000000000" pitchFamily="65" charset="-120"/>
-                  <a:ea typeface="標楷體" panose="03000509000000000000" pitchFamily="65" charset="-120"/>
-                </a:rPr>
-                <a:t>修改</a:t>
-              </a:r>
-              <a:endParaRPr lang="en-US" altLang="zh-TW" sz="1100" b="1" dirty="0" smtClean="0">
-                <a:solidFill>
-                  <a:schemeClr val="tx1"/>
-                </a:solidFill>
-                <a:latin typeface="標楷體" panose="03000509000000000000" pitchFamily="65" charset="-120"/>
-                <a:ea typeface="標楷體" panose="03000509000000000000" pitchFamily="65" charset="-120"/>
-              </a:endParaRPr>
-            </a:p>
-            <a:p>
-              <a:pPr lvl="0" algn="ctr"/>
-              <a:r>
-                <a:rPr lang="en-US" altLang="zh-TW" sz="1100" b="1" dirty="0" smtClean="0">
-                  <a:solidFill>
-                    <a:schemeClr val="tx1"/>
-                  </a:solidFill>
-                  <a:latin typeface="標楷體" panose="03000509000000000000" pitchFamily="65" charset="-120"/>
-                  <a:ea typeface="標楷體" panose="03000509000000000000" pitchFamily="65" charset="-120"/>
-                </a:rPr>
-                <a:t>4.</a:t>
-              </a:r>
-              <a:r>
-                <a:rPr lang="zh-TW" altLang="en-US" sz="1100" b="1" dirty="0" smtClean="0">
-                  <a:solidFill>
-                    <a:schemeClr val="tx1"/>
-                  </a:solidFill>
-                  <a:latin typeface="標楷體" panose="03000509000000000000" pitchFamily="65" charset="-120"/>
-                  <a:ea typeface="標楷體" panose="03000509000000000000" pitchFamily="65" charset="-120"/>
-                </a:rPr>
-                <a:t>刪除</a:t>
-              </a:r>
-              <a:endParaRPr lang="en-US" altLang="zh-TW" sz="1100" b="1" dirty="0" smtClean="0">
-                <a:solidFill>
-                  <a:schemeClr val="tx1"/>
-                </a:solidFill>
-                <a:latin typeface="標楷體" panose="03000509000000000000" pitchFamily="65" charset="-120"/>
-                <a:ea typeface="標楷體" panose="03000509000000000000" pitchFamily="65" charset="-120"/>
-              </a:endParaRPr>
-            </a:p>
-            <a:p>
-              <a:pPr lvl="0" algn="ctr"/>
-              <a:r>
-                <a:rPr lang="en-US" altLang="zh-TW" sz="1100" b="1" dirty="0" smtClean="0">
-                  <a:solidFill>
-                    <a:schemeClr val="tx1"/>
-                  </a:solidFill>
-                  <a:latin typeface="標楷體" panose="03000509000000000000" pitchFamily="65" charset="-120"/>
-                  <a:ea typeface="標楷體" panose="03000509000000000000" pitchFamily="65" charset="-120"/>
-                </a:rPr>
-                <a:t>5.</a:t>
-              </a:r>
-              <a:r>
-                <a:rPr lang="zh-TW" altLang="en-US" sz="1100" b="1" dirty="0" smtClean="0">
-                  <a:solidFill>
-                    <a:schemeClr val="tx1"/>
-                  </a:solidFill>
-                  <a:latin typeface="標楷體" panose="03000509000000000000" pitchFamily="65" charset="-120"/>
-                  <a:ea typeface="標楷體" panose="03000509000000000000" pitchFamily="65" charset="-120"/>
-                </a:rPr>
-                <a:t>封鎖</a:t>
-              </a:r>
-              <a:endParaRPr lang="zh-TW" altLang="zh-TW" sz="1100" b="1" dirty="0">
-                <a:solidFill>
-                  <a:schemeClr val="tx1"/>
-                </a:solidFill>
-                <a:latin typeface="標楷體" panose="03000509000000000000" pitchFamily="65" charset="-120"/>
-                <a:ea typeface="標楷體" panose="03000509000000000000" pitchFamily="65" charset="-120"/>
-              </a:endParaRPr>
-            </a:p>
-          </p:txBody>
-        </p:sp>
+                  <a:latin typeface="標楷體" pitchFamily="65" charset="-120"/>
+                  <a:ea typeface="標楷體" pitchFamily="65" charset="-120"/>
+                </a:endParaRPr>
+              </a:p>
+            </p:txBody>
+          </p:sp>
+        </p:grpSp>
         <p:sp>
           <p:nvSpPr>
-            <p:cNvPr id="3" name="文字方塊 2"/>
-            <p:cNvSpPr txBox="1"/>
-            <p:nvPr/>
-          </p:nvSpPr>
-          <p:spPr>
-            <a:xfrm>
-              <a:off x="4178037" y="559978"/>
-              <a:ext cx="1005403" cy="338554"/>
-            </a:xfrm>
-            <a:prstGeom prst="rect">
-              <a:avLst/>
-            </a:prstGeom>
-            <a:noFill/>
-          </p:spPr>
-          <p:txBody>
-            <a:bodyPr wrap="none" rtlCol="0">
-              <a:spAutoFit/>
-            </a:bodyPr>
-            <a:lstStyle/>
-            <a:p>
-              <a:r>
-                <a:rPr lang="zh-TW" altLang="en-US" sz="1600" b="1" dirty="0" smtClean="0">
-                  <a:latin typeface="標楷體" panose="03000509000000000000" pitchFamily="65" charset="-120"/>
-                  <a:ea typeface="標楷體" panose="03000509000000000000" pitchFamily="65" charset="-120"/>
-                </a:rPr>
-                <a:t>會員</a:t>
-              </a:r>
-              <a:r>
-                <a:rPr lang="zh-TW" altLang="en-US" sz="1600" b="1" dirty="0">
-                  <a:latin typeface="標楷體" panose="03000509000000000000" pitchFamily="65" charset="-120"/>
-                  <a:ea typeface="標楷體" panose="03000509000000000000" pitchFamily="65" charset="-120"/>
-                </a:rPr>
-                <a:t>管理</a:t>
-              </a:r>
-              <a:endParaRPr lang="zh-TW" altLang="en-US" sz="1600" b="1" dirty="0">
-                <a:latin typeface="標楷體" panose="03000509000000000000" pitchFamily="65" charset="-120"/>
-                <a:ea typeface="標楷體" panose="03000509000000000000" pitchFamily="65" charset="-120"/>
-              </a:endParaRPr>
-            </a:p>
-          </p:txBody>
-        </p:sp>
-        <p:sp>
-          <p:nvSpPr>
-            <p:cNvPr id="4" name="橢圓 3"/>
+            <p:cNvPr id="31" name="菱形 30"/>
             <p:cNvSpPr/>
             <p:nvPr/>
           </p:nvSpPr>
           <p:spPr>
             <a:xfrm>
-              <a:off x="5636586" y="507791"/>
-              <a:ext cx="228371" cy="216723"/>
-            </a:xfrm>
-            <a:prstGeom prst="ellipse">
-              <a:avLst/>
-            </a:prstGeom>
-            <a:solidFill>
-              <a:schemeClr val="accent6">
-                <a:lumMod val="50000"/>
-              </a:schemeClr>
-            </a:solidFill>
-            <a:ln>
-              <a:solidFill>
-                <a:schemeClr val="accent6">
-                  <a:lumMod val="50000"/>
-                </a:schemeClr>
-              </a:solidFill>
-            </a:ln>
-          </p:spPr>
-          <p:style>
-            <a:lnRef idx="2">
-              <a:schemeClr val="accent1">
-                <a:shade val="50000"/>
-              </a:schemeClr>
-            </a:lnRef>
-            <a:fillRef idx="1">
-              <a:schemeClr val="accent1"/>
-            </a:fillRef>
-            <a:effectRef idx="0">
-              <a:schemeClr val="accent1"/>
-            </a:effectRef>
-            <a:fontRef idx="minor">
-              <a:schemeClr val="lt1"/>
-            </a:fontRef>
-          </p:style>
-          <p:txBody>
-            <a:bodyPr rtlCol="0" anchor="ctr"/>
-            <a:lstStyle/>
-            <a:p>
-              <a:pPr algn="ctr"/>
-              <a:endParaRPr lang="zh-TW" altLang="en-US"/>
-            </a:p>
-          </p:txBody>
-        </p:sp>
-        <p:sp>
-          <p:nvSpPr>
-            <p:cNvPr id="5" name="文字方塊 4"/>
-            <p:cNvSpPr txBox="1"/>
-            <p:nvPr/>
-          </p:nvSpPr>
-          <p:spPr>
-            <a:xfrm>
-              <a:off x="5504550" y="230791"/>
-              <a:ext cx="492443" cy="276999"/>
-            </a:xfrm>
-            <a:prstGeom prst="rect">
-              <a:avLst/>
-            </a:prstGeom>
-            <a:noFill/>
-          </p:spPr>
-          <p:txBody>
-            <a:bodyPr wrap="none" rtlCol="0">
-              <a:spAutoFit/>
-            </a:bodyPr>
-            <a:lstStyle/>
-            <a:p>
-              <a:r>
-                <a:rPr lang="zh-TW" altLang="en-US" sz="1200" b="1" dirty="0" smtClean="0">
-                  <a:latin typeface="標楷體" panose="03000509000000000000" pitchFamily="65" charset="-120"/>
-                  <a:ea typeface="標楷體" panose="03000509000000000000" pitchFamily="65" charset="-120"/>
-                </a:rPr>
-                <a:t>開始</a:t>
-              </a:r>
-              <a:endParaRPr lang="zh-TW" altLang="en-US" sz="1200" b="1" dirty="0">
-                <a:latin typeface="標楷體" panose="03000509000000000000" pitchFamily="65" charset="-120"/>
-                <a:ea typeface="標楷體" panose="03000509000000000000" pitchFamily="65" charset="-120"/>
-              </a:endParaRPr>
-            </a:p>
-          </p:txBody>
-        </p:sp>
-        <p:cxnSp>
-          <p:nvCxnSpPr>
-            <p:cNvPr id="6" name="直線單箭頭接點 5"/>
-            <p:cNvCxnSpPr/>
-            <p:nvPr/>
-          </p:nvCxnSpPr>
-          <p:spPr>
-            <a:xfrm flipH="1">
-              <a:off x="5750771" y="726304"/>
-              <a:ext cx="1" cy="349437"/>
-            </a:xfrm>
-            <a:prstGeom prst="straightConnector1">
-              <a:avLst/>
-            </a:prstGeom>
-            <a:ln>
-              <a:solidFill>
-                <a:srgbClr val="C00000"/>
-              </a:solidFill>
-              <a:tailEnd type="arrow"/>
-            </a:ln>
-          </p:spPr>
-          <p:style>
-            <a:lnRef idx="1">
-              <a:schemeClr val="accent1"/>
-            </a:lnRef>
-            <a:fillRef idx="0">
-              <a:schemeClr val="accent1"/>
-            </a:fillRef>
-            <a:effectRef idx="0">
-              <a:schemeClr val="accent1"/>
-            </a:effectRef>
-            <a:fontRef idx="minor">
-              <a:schemeClr val="tx1"/>
-            </a:fontRef>
-          </p:style>
-        </p:cxnSp>
-        <p:sp>
-          <p:nvSpPr>
-            <p:cNvPr id="7" name="菱形 6"/>
-            <p:cNvSpPr/>
-            <p:nvPr/>
-          </p:nvSpPr>
-          <p:spPr>
-            <a:xfrm>
-              <a:off x="5450734" y="1075741"/>
+              <a:off x="6681149" y="2815096"/>
               <a:ext cx="600075" cy="600075"/>
             </a:xfrm>
             <a:prstGeom prst="diamond">
@@ -7214,19 +7974,182 @@
             </a:p>
           </p:txBody>
         </p:sp>
+        <p:sp>
+          <p:nvSpPr>
+            <p:cNvPr id="43" name="文字方塊 42"/>
+            <p:cNvSpPr txBox="1"/>
+            <p:nvPr/>
+          </p:nvSpPr>
+          <p:spPr>
+            <a:xfrm>
+              <a:off x="6988308" y="2475778"/>
+              <a:ext cx="588623" cy="253916"/>
+            </a:xfrm>
+            <a:prstGeom prst="rect">
+              <a:avLst/>
+            </a:prstGeom>
+            <a:noFill/>
+          </p:spPr>
+          <p:txBody>
+            <a:bodyPr wrap="none" rtlCol="0">
+              <a:spAutoFit/>
+            </a:bodyPr>
+            <a:lstStyle/>
+            <a:p>
+              <a:r>
+                <a:rPr lang="en-US" altLang="zh-TW" sz="1050" b="1" dirty="0" smtClean="0">
+                  <a:latin typeface="標楷體" panose="03000509000000000000" pitchFamily="65" charset="-120"/>
+                  <a:ea typeface="標楷體" panose="03000509000000000000" pitchFamily="65" charset="-120"/>
+                </a:rPr>
+                <a:t>[</a:t>
+              </a:r>
+              <a:r>
+                <a:rPr lang="zh-TW" altLang="en-US" sz="1050" b="1" dirty="0" smtClean="0">
+                  <a:latin typeface="標楷體" panose="03000509000000000000" pitchFamily="65" charset="-120"/>
+                  <a:ea typeface="標楷體" panose="03000509000000000000" pitchFamily="65" charset="-120"/>
+                </a:rPr>
+                <a:t>動</a:t>
+              </a:r>
+              <a:r>
+                <a:rPr lang="zh-TW" altLang="en-US" sz="1050" b="1" dirty="0">
+                  <a:latin typeface="標楷體" panose="03000509000000000000" pitchFamily="65" charset="-120"/>
+                  <a:ea typeface="標楷體" panose="03000509000000000000" pitchFamily="65" charset="-120"/>
+                </a:rPr>
+                <a:t>作</a:t>
+              </a:r>
+              <a:r>
+                <a:rPr lang="en-US" altLang="zh-TW" sz="1050" b="1" dirty="0" smtClean="0">
+                  <a:latin typeface="標楷體" panose="03000509000000000000" pitchFamily="65" charset="-120"/>
+                  <a:ea typeface="標楷體" panose="03000509000000000000" pitchFamily="65" charset="-120"/>
+                </a:rPr>
+                <a:t>]</a:t>
+              </a:r>
+              <a:endParaRPr lang="zh-TW" altLang="en-US" sz="1050" b="1" dirty="0">
+                <a:latin typeface="標楷體" panose="03000509000000000000" pitchFamily="65" charset="-120"/>
+                <a:ea typeface="標楷體" panose="03000509000000000000" pitchFamily="65" charset="-120"/>
+              </a:endParaRPr>
+            </a:p>
+          </p:txBody>
+        </p:sp>
         <p:cxnSp>
           <p:nvCxnSpPr>
-            <p:cNvPr id="8" name="肘形接點 7"/>
+            <p:cNvPr id="47" name="直線單箭頭接點 46"/>
             <p:cNvCxnSpPr>
-              <a:stCxn id="7" idx="1"/>
-              <a:endCxn id="10" idx="0"/>
+              <a:stCxn id="31" idx="2"/>
             </p:cNvCxnSpPr>
             <p:nvPr/>
           </p:nvCxnSpPr>
           <p:spPr>
-            <a:xfrm rot="10800000" flipV="1">
-              <a:off x="4774020" y="1375779"/>
-              <a:ext cx="676714" cy="539660"/>
+            <a:xfrm flipH="1">
+              <a:off x="6981186" y="3415171"/>
+              <a:ext cx="1" cy="262675"/>
+            </a:xfrm>
+            <a:prstGeom prst="straightConnector1">
+              <a:avLst/>
+            </a:prstGeom>
+            <a:ln>
+              <a:solidFill>
+                <a:srgbClr val="C00000"/>
+              </a:solidFill>
+              <a:tailEnd type="arrow"/>
+            </a:ln>
+          </p:spPr>
+          <p:style>
+            <a:lnRef idx="1">
+              <a:schemeClr val="accent1"/>
+            </a:lnRef>
+            <a:fillRef idx="0">
+              <a:schemeClr val="accent1"/>
+            </a:fillRef>
+            <a:effectRef idx="0">
+              <a:schemeClr val="accent1"/>
+            </a:effectRef>
+            <a:fontRef idx="minor">
+              <a:schemeClr val="tx1"/>
+            </a:fontRef>
+          </p:style>
+        </p:cxnSp>
+        <p:sp>
+          <p:nvSpPr>
+            <p:cNvPr id="50" name="圓角矩形 49"/>
+            <p:cNvSpPr/>
+            <p:nvPr/>
+          </p:nvSpPr>
+          <p:spPr>
+            <a:xfrm>
+              <a:off x="6495874" y="3677846"/>
+              <a:ext cx="970623" cy="485134"/>
+            </a:xfrm>
+            <a:prstGeom prst="roundRect">
+              <a:avLst/>
+            </a:prstGeom>
+            <a:solidFill>
+              <a:schemeClr val="bg1">
+                <a:lumMod val="75000"/>
+              </a:schemeClr>
+            </a:solidFill>
+            <a:ln>
+              <a:solidFill>
+                <a:schemeClr val="bg1">
+                  <a:lumMod val="75000"/>
+                </a:schemeClr>
+              </a:solidFill>
+            </a:ln>
+          </p:spPr>
+          <p:style>
+            <a:lnRef idx="2">
+              <a:schemeClr val="accent1">
+                <a:shade val="50000"/>
+              </a:schemeClr>
+            </a:lnRef>
+            <a:fillRef idx="1">
+              <a:schemeClr val="accent1"/>
+            </a:fillRef>
+            <a:effectRef idx="0">
+              <a:schemeClr val="accent1"/>
+            </a:effectRef>
+            <a:fontRef idx="minor">
+              <a:schemeClr val="lt1"/>
+            </a:fontRef>
+          </p:style>
+          <p:txBody>
+            <a:bodyPr rtlCol="0" anchor="ctr"/>
+            <a:lstStyle/>
+            <a:p>
+              <a:pPr algn="ctr"/>
+              <a:r>
+                <a:rPr lang="zh-TW" altLang="en-US" sz="1200" b="1" dirty="0">
+                  <a:solidFill>
+                    <a:schemeClr val="tx1"/>
+                  </a:solidFill>
+                  <a:latin typeface="標楷體" pitchFamily="65" charset="-120"/>
+                  <a:ea typeface="標楷體" pitchFamily="65" charset="-120"/>
+                </a:rPr>
+                <a:t>維護</a:t>
+              </a:r>
+              <a:endParaRPr lang="zh-TW" altLang="en-US" sz="1200" b="1" dirty="0">
+                <a:solidFill>
+                  <a:schemeClr val="tx1"/>
+                </a:solidFill>
+                <a:latin typeface="標楷體" pitchFamily="65" charset="-120"/>
+                <a:ea typeface="標楷體" pitchFamily="65" charset="-120"/>
+              </a:endParaRPr>
+            </a:p>
+          </p:txBody>
+        </p:sp>
+        <p:cxnSp>
+          <p:nvCxnSpPr>
+            <p:cNvPr id="51" name="肘形接點 50"/>
+            <p:cNvCxnSpPr>
+              <a:stCxn id="31" idx="3"/>
+              <a:endCxn id="54" idx="0"/>
+            </p:cNvCxnSpPr>
+            <p:nvPr/>
+          </p:nvCxnSpPr>
+          <p:spPr>
+            <a:xfrm>
+              <a:off x="7281224" y="3115134"/>
+              <a:ext cx="880076" cy="562712"/>
             </a:xfrm>
             <a:prstGeom prst="bentConnector2">
               <a:avLst/>
@@ -7255,13 +8178,13 @@
         </p:cxnSp>
         <p:sp>
           <p:nvSpPr>
-            <p:cNvPr id="10" name="圓角矩形 9"/>
+            <p:cNvPr id="54" name="圓角矩形 53"/>
             <p:cNvSpPr/>
             <p:nvPr/>
           </p:nvSpPr>
           <p:spPr>
             <a:xfrm>
-              <a:off x="4288708" y="1915439"/>
+              <a:off x="7675988" y="3677846"/>
               <a:ext cx="970623" cy="485134"/>
             </a:xfrm>
             <a:prstGeom prst="roundRect">
@@ -7309,7 +8232,17 @@
                   <a:latin typeface="標楷體" pitchFamily="65" charset="-120"/>
                   <a:ea typeface="標楷體" pitchFamily="65" charset="-120"/>
                 </a:rPr>
-                <a:t>修改資料</a:t>
+                <a:t>修</a:t>
+              </a:r>
+              <a:r>
+                <a:rPr lang="zh-TW" altLang="en-US" sz="1200" b="1" dirty="0">
+                  <a:solidFill>
+                    <a:schemeClr val="tx1"/>
+                  </a:solidFill>
+                  <a:latin typeface="標楷體" pitchFamily="65" charset="-120"/>
+                  <a:ea typeface="標楷體" pitchFamily="65" charset="-120"/>
+                </a:rPr>
+                <a:t>改</a:t>
               </a:r>
               <a:endParaRPr lang="zh-TW" altLang="en-US" sz="1200" b="1" dirty="0">
                 <a:solidFill>
@@ -7321,54 +8254,60 @@
             </a:p>
           </p:txBody>
         </p:sp>
-        <p:sp>
-          <p:nvSpPr>
-            <p:cNvPr id="13" name="文字方塊 12"/>
-            <p:cNvSpPr txBox="1"/>
-            <p:nvPr/>
-          </p:nvSpPr>
-          <p:spPr>
-            <a:xfrm>
-              <a:off x="5745635" y="726304"/>
-              <a:ext cx="857927" cy="253916"/>
-            </a:xfrm>
-            <a:prstGeom prst="rect">
-              <a:avLst/>
-            </a:prstGeom>
-            <a:noFill/>
-          </p:spPr>
-          <p:txBody>
-            <a:bodyPr wrap="none" rtlCol="0">
-              <a:spAutoFit/>
-            </a:bodyPr>
-            <a:lstStyle/>
-            <a:p>
-              <a:r>
-                <a:rPr lang="zh-TW" altLang="en-US" sz="1050" b="1" dirty="0">
-                  <a:latin typeface="標楷體" panose="03000509000000000000" pitchFamily="65" charset="-120"/>
-                  <a:ea typeface="標楷體" panose="03000509000000000000" pitchFamily="65" charset="-120"/>
-                </a:rPr>
-                <a:t>行為者類型</a:t>
-              </a:r>
-              <a:endParaRPr lang="zh-TW" altLang="en-US" sz="1050" b="1" dirty="0">
-                <a:latin typeface="標楷體" panose="03000509000000000000" pitchFamily="65" charset="-120"/>
-                <a:ea typeface="標楷體" panose="03000509000000000000" pitchFamily="65" charset="-120"/>
-              </a:endParaRPr>
-            </a:p>
-          </p:txBody>
-        </p:sp>
         <p:cxnSp>
           <p:nvCxnSpPr>
-            <p:cNvPr id="14" name="肘形接點 13"/>
+            <p:cNvPr id="59" name="直線單箭頭接點 58"/>
             <p:cNvCxnSpPr>
-              <a:endCxn id="15" idx="0"/>
+              <a:stCxn id="50" idx="0"/>
+              <a:endCxn id="19" idx="3"/>
             </p:cNvCxnSpPr>
             <p:nvPr/>
           </p:nvCxnSpPr>
           <p:spPr>
-            <a:xfrm>
-              <a:off x="6045674" y="1375779"/>
-              <a:ext cx="675721" cy="539660"/>
+            <a:xfrm flipH="1" flipV="1">
+              <a:off x="3950438" y="3172603"/>
+              <a:ext cx="3030748" cy="505243"/>
+            </a:xfrm>
+            <a:prstGeom prst="straightConnector1">
+              <a:avLst/>
+            </a:prstGeom>
+            <a:ln>
+              <a:solidFill>
+                <a:srgbClr val="C00000"/>
+              </a:solidFill>
+              <a:prstDash val="dash"/>
+              <a:headEnd type="none" w="med" len="med"/>
+              <a:tailEnd type="none" w="med" len="med"/>
+            </a:ln>
+          </p:spPr>
+          <p:style>
+            <a:lnRef idx="1">
+              <a:schemeClr val="accent1"/>
+            </a:lnRef>
+            <a:fillRef idx="0">
+              <a:schemeClr val="accent1"/>
+            </a:fillRef>
+            <a:effectRef idx="0">
+              <a:schemeClr val="accent1"/>
+            </a:effectRef>
+            <a:fontRef idx="minor">
+              <a:schemeClr val="tx1"/>
+            </a:fontRef>
+          </p:style>
+        </p:cxnSp>
+        <p:cxnSp>
+          <p:nvCxnSpPr>
+            <p:cNvPr id="62" name="肘形接點 61"/>
+            <p:cNvCxnSpPr>
+              <a:stCxn id="50" idx="2"/>
+              <a:endCxn id="29" idx="6"/>
+            </p:cNvCxnSpPr>
+            <p:nvPr/>
+          </p:nvCxnSpPr>
+          <p:spPr>
+            <a:xfrm rot="5400000">
+              <a:off x="5729020" y="3629294"/>
+              <a:ext cx="718481" cy="1785852"/>
             </a:xfrm>
             <a:prstGeom prst="bentConnector2">
               <a:avLst/>
@@ -7395,925 +8334,19 @@
             </a:fontRef>
           </p:style>
         </p:cxnSp>
-        <p:sp>
-          <p:nvSpPr>
-            <p:cNvPr id="15" name="圓角矩形 14"/>
-            <p:cNvSpPr/>
-            <p:nvPr/>
-          </p:nvSpPr>
-          <p:spPr>
-            <a:xfrm>
-              <a:off x="6236083" y="1915439"/>
-              <a:ext cx="970623" cy="485134"/>
-            </a:xfrm>
-            <a:prstGeom prst="roundRect">
-              <a:avLst/>
-            </a:prstGeom>
-            <a:solidFill>
-              <a:schemeClr val="bg1">
-                <a:lumMod val="75000"/>
-              </a:schemeClr>
-            </a:solidFill>
-            <a:ln>
-              <a:solidFill>
-                <a:schemeClr val="bg1">
-                  <a:lumMod val="75000"/>
-                </a:schemeClr>
-              </a:solidFill>
-            </a:ln>
-          </p:spPr>
-          <p:style>
-            <a:lnRef idx="2">
-              <a:schemeClr val="accent1">
-                <a:shade val="50000"/>
-              </a:schemeClr>
-            </a:lnRef>
-            <a:fillRef idx="1">
-              <a:schemeClr val="accent1"/>
-            </a:fillRef>
-            <a:effectRef idx="0">
-              <a:schemeClr val="accent1"/>
-            </a:effectRef>
-            <a:fontRef idx="minor">
-              <a:schemeClr val="lt1"/>
-            </a:fontRef>
-          </p:style>
-          <p:txBody>
-            <a:bodyPr rtlCol="0" anchor="ctr"/>
-            <a:lstStyle/>
-            <a:p>
-              <a:pPr algn="ctr"/>
-              <a:r>
-                <a:rPr lang="zh-TW" altLang="en-US" sz="1200" b="1" dirty="0">
-                  <a:solidFill>
-                    <a:schemeClr val="tx1"/>
-                  </a:solidFill>
-                  <a:latin typeface="標楷體" pitchFamily="65" charset="-120"/>
-                  <a:ea typeface="標楷體" pitchFamily="65" charset="-120"/>
-                </a:rPr>
-                <a:t>審核</a:t>
-              </a:r>
-              <a:endParaRPr lang="zh-TW" altLang="en-US" sz="1200" b="1" dirty="0">
-                <a:solidFill>
-                  <a:schemeClr val="tx1"/>
-                </a:solidFill>
-                <a:latin typeface="標楷體" pitchFamily="65" charset="-120"/>
-                <a:ea typeface="標楷體" pitchFamily="65" charset="-120"/>
-              </a:endParaRPr>
-            </a:p>
-          </p:txBody>
-        </p:sp>
-        <p:sp>
-          <p:nvSpPr>
-            <p:cNvPr id="17" name="文字方塊 16"/>
-            <p:cNvSpPr txBox="1"/>
-            <p:nvPr/>
-          </p:nvSpPr>
-          <p:spPr>
-            <a:xfrm>
-              <a:off x="4818065" y="1124632"/>
-              <a:ext cx="588623" cy="253916"/>
-            </a:xfrm>
-            <a:prstGeom prst="rect">
-              <a:avLst/>
-            </a:prstGeom>
-            <a:noFill/>
-          </p:spPr>
-          <p:txBody>
-            <a:bodyPr wrap="none" rtlCol="0">
-              <a:spAutoFit/>
-            </a:bodyPr>
-            <a:lstStyle/>
-            <a:p>
-              <a:r>
-                <a:rPr lang="zh-TW" altLang="en-US" sz="1050" b="1" dirty="0">
-                  <a:latin typeface="標楷體" panose="03000509000000000000" pitchFamily="65" charset="-120"/>
-                  <a:ea typeface="標楷體" panose="03000509000000000000" pitchFamily="65" charset="-120"/>
-                </a:rPr>
-                <a:t>行為</a:t>
-              </a:r>
-              <a:r>
-                <a:rPr lang="zh-TW" altLang="en-US" sz="1050" b="1" dirty="0" smtClean="0">
-                  <a:latin typeface="標楷體" panose="03000509000000000000" pitchFamily="65" charset="-120"/>
-                  <a:ea typeface="標楷體" panose="03000509000000000000" pitchFamily="65" charset="-120"/>
-                </a:rPr>
-                <a:t>者</a:t>
-              </a:r>
-              <a:endParaRPr lang="zh-TW" altLang="en-US" sz="1050" b="1" dirty="0">
-                <a:latin typeface="標楷體" panose="03000509000000000000" pitchFamily="65" charset="-120"/>
-                <a:ea typeface="標楷體" panose="03000509000000000000" pitchFamily="65" charset="-120"/>
-              </a:endParaRPr>
-            </a:p>
-          </p:txBody>
-        </p:sp>
-        <p:sp>
-          <p:nvSpPr>
-            <p:cNvPr id="18" name="文字方塊 17"/>
-            <p:cNvSpPr txBox="1"/>
-            <p:nvPr/>
-          </p:nvSpPr>
-          <p:spPr>
-            <a:xfrm>
-              <a:off x="6089222" y="1118431"/>
-              <a:ext cx="588623" cy="253916"/>
-            </a:xfrm>
-            <a:prstGeom prst="rect">
-              <a:avLst/>
-            </a:prstGeom>
-            <a:noFill/>
-          </p:spPr>
-          <p:txBody>
-            <a:bodyPr wrap="none" rtlCol="0">
-              <a:spAutoFit/>
-            </a:bodyPr>
-            <a:lstStyle/>
-            <a:p>
-              <a:r>
-                <a:rPr lang="zh-TW" altLang="en-US" sz="1050" b="1" dirty="0">
-                  <a:latin typeface="標楷體" panose="03000509000000000000" pitchFamily="65" charset="-120"/>
-                  <a:ea typeface="標楷體" panose="03000509000000000000" pitchFamily="65" charset="-120"/>
-                </a:rPr>
-                <a:t>管理者</a:t>
-              </a:r>
-              <a:endParaRPr lang="zh-TW" altLang="en-US" sz="1050" b="1" dirty="0">
-                <a:latin typeface="標楷體" panose="03000509000000000000" pitchFamily="65" charset="-120"/>
-                <a:ea typeface="標楷體" panose="03000509000000000000" pitchFamily="65" charset="-120"/>
-              </a:endParaRPr>
-            </a:p>
-          </p:txBody>
-        </p:sp>
-        <p:sp>
-          <p:nvSpPr>
-            <p:cNvPr id="19" name="矩形 18"/>
-            <p:cNvSpPr/>
-            <p:nvPr/>
-          </p:nvSpPr>
-          <p:spPr>
-            <a:xfrm>
-              <a:off x="3242302" y="1449750"/>
-              <a:ext cx="763874" cy="1416509"/>
-            </a:xfrm>
-            <a:prstGeom prst="rect">
-              <a:avLst/>
-            </a:prstGeom>
-            <a:solidFill>
-              <a:schemeClr val="accent1">
-                <a:lumMod val="20000"/>
-                <a:lumOff val="80000"/>
-              </a:schemeClr>
-            </a:solidFill>
-            <a:ln>
-              <a:solidFill>
-                <a:schemeClr val="accent1">
-                  <a:lumMod val="20000"/>
-                  <a:lumOff val="80000"/>
-                </a:schemeClr>
-              </a:solidFill>
-            </a:ln>
-          </p:spPr>
-          <p:style>
-            <a:lnRef idx="2">
-              <a:schemeClr val="accent1">
-                <a:shade val="50000"/>
-              </a:schemeClr>
-            </a:lnRef>
-            <a:fillRef idx="1">
-              <a:schemeClr val="accent1"/>
-            </a:fillRef>
-            <a:effectRef idx="0">
-              <a:schemeClr val="accent1"/>
-            </a:effectRef>
-            <a:fontRef idx="minor">
-              <a:schemeClr val="lt1"/>
-            </a:fontRef>
-          </p:style>
-          <p:txBody>
-            <a:bodyPr rtlCol="0" anchor="ctr"/>
-            <a:lstStyle/>
-            <a:p>
-              <a:pPr lvl="0" algn="ctr"/>
-              <a:r>
-                <a:rPr lang="en-US" altLang="zh-TW" sz="1100" b="1" dirty="0" smtClean="0">
-                  <a:solidFill>
-                    <a:schemeClr val="tx1"/>
-                  </a:solidFill>
-                  <a:latin typeface="標楷體" panose="03000509000000000000" pitchFamily="65" charset="-120"/>
-                  <a:ea typeface="標楷體" panose="03000509000000000000" pitchFamily="65" charset="-120"/>
-                </a:rPr>
-                <a:t>1.</a:t>
-              </a:r>
-              <a:r>
-                <a:rPr lang="zh-TW" altLang="zh-TW" sz="1100" b="1" dirty="0" smtClean="0">
-                  <a:solidFill>
-                    <a:schemeClr val="tx1"/>
-                  </a:solidFill>
-                  <a:latin typeface="標楷體" panose="03000509000000000000" pitchFamily="65" charset="-120"/>
-                  <a:ea typeface="標楷體" panose="03000509000000000000" pitchFamily="65" charset="-120"/>
-                </a:rPr>
-                <a:t>帳號</a:t>
-              </a:r>
-              <a:endParaRPr lang="en-US" altLang="zh-TW" sz="1100" b="1" dirty="0" smtClean="0">
-                <a:solidFill>
-                  <a:schemeClr val="tx1"/>
-                </a:solidFill>
-                <a:latin typeface="標楷體" panose="03000509000000000000" pitchFamily="65" charset="-120"/>
-                <a:ea typeface="標楷體" panose="03000509000000000000" pitchFamily="65" charset="-120"/>
-              </a:endParaRPr>
-            </a:p>
-            <a:p>
-              <a:pPr lvl="0" algn="ctr"/>
-              <a:r>
-                <a:rPr lang="en-US" altLang="zh-TW" sz="1100" b="1" dirty="0" smtClean="0">
-                  <a:solidFill>
-                    <a:schemeClr val="tx1"/>
-                  </a:solidFill>
-                  <a:latin typeface="標楷體" panose="03000509000000000000" pitchFamily="65" charset="-120"/>
-                  <a:ea typeface="標楷體" panose="03000509000000000000" pitchFamily="65" charset="-120"/>
-                </a:rPr>
-                <a:t>2.</a:t>
-              </a:r>
-              <a:r>
-                <a:rPr lang="zh-TW" altLang="zh-TW" sz="1100" b="1" dirty="0" smtClean="0">
-                  <a:solidFill>
-                    <a:schemeClr val="tx1"/>
-                  </a:solidFill>
-                  <a:latin typeface="標楷體" panose="03000509000000000000" pitchFamily="65" charset="-120"/>
-                  <a:ea typeface="標楷體" panose="03000509000000000000" pitchFamily="65" charset="-120"/>
-                </a:rPr>
-                <a:t>密碼</a:t>
-              </a:r>
-              <a:endParaRPr lang="en-US" altLang="zh-TW" sz="1100" b="1" dirty="0" smtClean="0">
-                <a:solidFill>
-                  <a:schemeClr val="tx1"/>
-                </a:solidFill>
-                <a:latin typeface="標楷體" panose="03000509000000000000" pitchFamily="65" charset="-120"/>
-                <a:ea typeface="標楷體" panose="03000509000000000000" pitchFamily="65" charset="-120"/>
-              </a:endParaRPr>
-            </a:p>
-            <a:p>
-              <a:pPr lvl="0" algn="ctr"/>
-              <a:r>
-                <a:rPr lang="en-US" altLang="zh-TW" sz="1100" b="1" dirty="0" smtClean="0">
-                  <a:solidFill>
-                    <a:schemeClr val="tx1"/>
-                  </a:solidFill>
-                  <a:latin typeface="標楷體" panose="03000509000000000000" pitchFamily="65" charset="-120"/>
-                  <a:ea typeface="標楷體" panose="03000509000000000000" pitchFamily="65" charset="-120"/>
-                </a:rPr>
-                <a:t>3.</a:t>
-              </a:r>
-              <a:r>
-                <a:rPr lang="zh-TW" altLang="zh-TW" sz="1100" b="1" dirty="0" smtClean="0">
-                  <a:solidFill>
-                    <a:schemeClr val="tx1"/>
-                  </a:solidFill>
-                  <a:latin typeface="標楷體" panose="03000509000000000000" pitchFamily="65" charset="-120"/>
-                  <a:ea typeface="標楷體" panose="03000509000000000000" pitchFamily="65" charset="-120"/>
-                </a:rPr>
-                <a:t>姓名</a:t>
-              </a:r>
-              <a:endParaRPr lang="en-US" altLang="zh-TW" sz="1100" b="1" dirty="0" smtClean="0">
-                <a:solidFill>
-                  <a:schemeClr val="tx1"/>
-                </a:solidFill>
-                <a:latin typeface="標楷體" panose="03000509000000000000" pitchFamily="65" charset="-120"/>
-                <a:ea typeface="標楷體" panose="03000509000000000000" pitchFamily="65" charset="-120"/>
-              </a:endParaRPr>
-            </a:p>
-            <a:p>
-              <a:pPr lvl="0" algn="ctr"/>
-              <a:r>
-                <a:rPr lang="en-US" altLang="zh-TW" sz="1100" b="1" dirty="0" smtClean="0">
-                  <a:solidFill>
-                    <a:schemeClr val="tx1"/>
-                  </a:solidFill>
-                  <a:latin typeface="標楷體" panose="03000509000000000000" pitchFamily="65" charset="-120"/>
-                  <a:ea typeface="標楷體" panose="03000509000000000000" pitchFamily="65" charset="-120"/>
-                </a:rPr>
-                <a:t>4.</a:t>
-              </a:r>
-              <a:r>
-                <a:rPr lang="zh-TW" altLang="zh-TW" sz="1100" b="1" dirty="0" smtClean="0">
-                  <a:solidFill>
-                    <a:schemeClr val="tx1"/>
-                  </a:solidFill>
-                  <a:latin typeface="標楷體" panose="03000509000000000000" pitchFamily="65" charset="-120"/>
-                  <a:ea typeface="標楷體" panose="03000509000000000000" pitchFamily="65" charset="-120"/>
-                </a:rPr>
-                <a:t>電話</a:t>
-              </a:r>
-              <a:endParaRPr lang="en-US" altLang="zh-TW" sz="1100" b="1" dirty="0" smtClean="0">
-                <a:solidFill>
-                  <a:schemeClr val="tx1"/>
-                </a:solidFill>
-                <a:latin typeface="標楷體" panose="03000509000000000000" pitchFamily="65" charset="-120"/>
-                <a:ea typeface="標楷體" panose="03000509000000000000" pitchFamily="65" charset="-120"/>
-              </a:endParaRPr>
-            </a:p>
-            <a:p>
-              <a:pPr lvl="0" algn="ctr"/>
-              <a:r>
-                <a:rPr lang="en-US" altLang="zh-TW" sz="1100" b="1" dirty="0" smtClean="0">
-                  <a:solidFill>
-                    <a:schemeClr val="tx1"/>
-                  </a:solidFill>
-                  <a:latin typeface="標楷體" panose="03000509000000000000" pitchFamily="65" charset="-120"/>
-                  <a:ea typeface="標楷體" panose="03000509000000000000" pitchFamily="65" charset="-120"/>
-                </a:rPr>
-                <a:t>5.e-mail</a:t>
-              </a:r>
-            </a:p>
-            <a:p>
-              <a:pPr lvl="0" algn="ctr"/>
-              <a:r>
-                <a:rPr lang="en-US" altLang="zh-TW" sz="1100" b="1" dirty="0" smtClean="0">
-                  <a:solidFill>
-                    <a:schemeClr val="tx1"/>
-                  </a:solidFill>
-                  <a:latin typeface="標楷體" panose="03000509000000000000" pitchFamily="65" charset="-120"/>
-                  <a:ea typeface="標楷體" panose="03000509000000000000" pitchFamily="65" charset="-120"/>
-                </a:rPr>
-                <a:t>6.</a:t>
-              </a:r>
-              <a:r>
-                <a:rPr lang="zh-TW" altLang="zh-TW" sz="1100" b="1" dirty="0" smtClean="0">
-                  <a:solidFill>
-                    <a:schemeClr val="tx1"/>
-                  </a:solidFill>
-                  <a:latin typeface="標楷體" panose="03000509000000000000" pitchFamily="65" charset="-120"/>
-                  <a:ea typeface="標楷體" panose="03000509000000000000" pitchFamily="65" charset="-120"/>
-                </a:rPr>
-                <a:t>地址</a:t>
-              </a:r>
-              <a:endParaRPr lang="en-US" altLang="zh-TW" sz="1100" b="1" dirty="0" smtClean="0">
-                <a:solidFill>
-                  <a:schemeClr val="tx1"/>
-                </a:solidFill>
-                <a:latin typeface="標楷體" panose="03000509000000000000" pitchFamily="65" charset="-120"/>
-                <a:ea typeface="標楷體" panose="03000509000000000000" pitchFamily="65" charset="-120"/>
-              </a:endParaRPr>
-            </a:p>
-            <a:p>
-              <a:pPr lvl="0" algn="ctr"/>
-              <a:r>
-                <a:rPr lang="en-US" altLang="zh-TW" sz="1100" b="1" dirty="0" smtClean="0">
-                  <a:solidFill>
-                    <a:schemeClr val="tx1"/>
-                  </a:solidFill>
-                  <a:latin typeface="標楷體" panose="03000509000000000000" pitchFamily="65" charset="-120"/>
-                  <a:ea typeface="標楷體" panose="03000509000000000000" pitchFamily="65" charset="-120"/>
-                </a:rPr>
-                <a:t>7.</a:t>
-              </a:r>
-              <a:r>
-                <a:rPr lang="zh-TW" altLang="zh-TW" sz="1100" b="1" dirty="0" smtClean="0">
-                  <a:solidFill>
-                    <a:schemeClr val="tx1"/>
-                  </a:solidFill>
-                  <a:latin typeface="標楷體" panose="03000509000000000000" pitchFamily="65" charset="-120"/>
-                  <a:ea typeface="標楷體" panose="03000509000000000000" pitchFamily="65" charset="-120"/>
-                </a:rPr>
-                <a:t>生日</a:t>
-              </a:r>
-              <a:endParaRPr lang="zh-TW" altLang="zh-TW" sz="1100" b="1" dirty="0">
-                <a:solidFill>
-                  <a:schemeClr val="tx1"/>
-                </a:solidFill>
-                <a:latin typeface="標楷體" panose="03000509000000000000" pitchFamily="65" charset="-120"/>
-                <a:ea typeface="標楷體" panose="03000509000000000000" pitchFamily="65" charset="-120"/>
-              </a:endParaRPr>
-            </a:p>
-          </p:txBody>
-        </p:sp>
         <p:cxnSp>
           <p:nvCxnSpPr>
-            <p:cNvPr id="21" name="直線單箭頭接點 20"/>
+            <p:cNvPr id="65" name="肘形接點 64"/>
             <p:cNvCxnSpPr>
-              <a:stCxn id="15" idx="3"/>
-              <a:endCxn id="2" idx="1"/>
-            </p:cNvCxnSpPr>
-            <p:nvPr/>
-          </p:nvCxnSpPr>
-          <p:spPr>
-            <a:xfrm>
-              <a:off x="7206706" y="2158006"/>
-              <a:ext cx="259533" cy="0"/>
-            </a:xfrm>
-            <a:prstGeom prst="straightConnector1">
-              <a:avLst/>
-            </a:prstGeom>
-            <a:ln>
-              <a:solidFill>
-                <a:srgbClr val="C00000"/>
-              </a:solidFill>
-              <a:prstDash val="dash"/>
-              <a:tailEnd type="arrow"/>
-            </a:ln>
-          </p:spPr>
-          <p:style>
-            <a:lnRef idx="1">
-              <a:schemeClr val="accent1"/>
-            </a:lnRef>
-            <a:fillRef idx="0">
-              <a:schemeClr val="accent1"/>
-            </a:fillRef>
-            <a:effectRef idx="0">
-              <a:schemeClr val="accent1"/>
-            </a:effectRef>
-            <a:fontRef idx="minor">
-              <a:schemeClr val="tx1"/>
-            </a:fontRef>
-          </p:style>
-        </p:cxnSp>
-        <p:cxnSp>
-          <p:nvCxnSpPr>
-            <p:cNvPr id="23" name="直線單箭頭接點 22"/>
-            <p:cNvCxnSpPr>
-              <a:stCxn id="10" idx="1"/>
-              <a:endCxn id="19" idx="3"/>
-            </p:cNvCxnSpPr>
-            <p:nvPr/>
-          </p:nvCxnSpPr>
-          <p:spPr>
-            <a:xfrm flipH="1" flipV="1">
-              <a:off x="4006176" y="2158005"/>
-              <a:ext cx="282532" cy="1"/>
-            </a:xfrm>
-            <a:prstGeom prst="straightConnector1">
-              <a:avLst/>
-            </a:prstGeom>
-            <a:ln>
-              <a:solidFill>
-                <a:srgbClr val="C00000"/>
-              </a:solidFill>
-              <a:prstDash val="dash"/>
-              <a:tailEnd type="arrow"/>
-            </a:ln>
-          </p:spPr>
-          <p:style>
-            <a:lnRef idx="1">
-              <a:schemeClr val="accent1"/>
-            </a:lnRef>
-            <a:fillRef idx="0">
-              <a:schemeClr val="accent1"/>
-            </a:fillRef>
-            <a:effectRef idx="0">
-              <a:schemeClr val="accent1"/>
-            </a:effectRef>
-            <a:fontRef idx="minor">
-              <a:schemeClr val="tx1"/>
-            </a:fontRef>
-          </p:style>
-        </p:cxnSp>
-        <p:cxnSp>
-          <p:nvCxnSpPr>
-            <p:cNvPr id="24" name="直線單箭頭接點 23"/>
-            <p:cNvCxnSpPr/>
-            <p:nvPr/>
-          </p:nvCxnSpPr>
-          <p:spPr>
-            <a:xfrm flipH="1">
-              <a:off x="4774018" y="2400573"/>
-              <a:ext cx="1" cy="349437"/>
-            </a:xfrm>
-            <a:prstGeom prst="straightConnector1">
-              <a:avLst/>
-            </a:prstGeom>
-            <a:ln>
-              <a:solidFill>
-                <a:srgbClr val="C00000"/>
-              </a:solidFill>
-              <a:tailEnd type="arrow"/>
-            </a:ln>
-          </p:spPr>
-          <p:style>
-            <a:lnRef idx="1">
-              <a:schemeClr val="accent1"/>
-            </a:lnRef>
-            <a:fillRef idx="0">
-              <a:schemeClr val="accent1"/>
-            </a:fillRef>
-            <a:effectRef idx="0">
-              <a:schemeClr val="accent1"/>
-            </a:effectRef>
-            <a:fontRef idx="minor">
-              <a:schemeClr val="tx1"/>
-            </a:fontRef>
-          </p:style>
-        </p:cxnSp>
-        <p:sp>
-          <p:nvSpPr>
-            <p:cNvPr id="25" name="菱形 24"/>
-            <p:cNvSpPr/>
-            <p:nvPr/>
-          </p:nvSpPr>
-          <p:spPr>
-            <a:xfrm>
-              <a:off x="4473982" y="2750010"/>
-              <a:ext cx="600075" cy="600075"/>
-            </a:xfrm>
-            <a:prstGeom prst="diamond">
-              <a:avLst/>
-            </a:prstGeom>
-            <a:solidFill>
-              <a:schemeClr val="accent6">
-                <a:lumMod val="50000"/>
-              </a:schemeClr>
-            </a:solidFill>
-            <a:ln>
-              <a:solidFill>
-                <a:schemeClr val="accent6">
-                  <a:lumMod val="50000"/>
-                </a:schemeClr>
-              </a:solidFill>
-            </a:ln>
-          </p:spPr>
-          <p:style>
-            <a:lnRef idx="2">
-              <a:schemeClr val="accent1">
-                <a:shade val="50000"/>
-              </a:schemeClr>
-            </a:lnRef>
-            <a:fillRef idx="1">
-              <a:schemeClr val="accent1"/>
-            </a:fillRef>
-            <a:effectRef idx="0">
-              <a:schemeClr val="accent1"/>
-            </a:effectRef>
-            <a:fontRef idx="minor">
-              <a:schemeClr val="lt1"/>
-            </a:fontRef>
-          </p:style>
-          <p:txBody>
-            <a:bodyPr rtlCol="0" anchor="ctr"/>
-            <a:lstStyle/>
-            <a:p>
-              <a:pPr algn="ctr"/>
-              <a:endParaRPr lang="zh-TW" altLang="en-US"/>
-            </a:p>
-          </p:txBody>
-        </p:sp>
-        <p:sp>
-          <p:nvSpPr>
-            <p:cNvPr id="26" name="文字方塊 25"/>
-            <p:cNvSpPr txBox="1"/>
-            <p:nvPr/>
-          </p:nvSpPr>
-          <p:spPr>
-            <a:xfrm>
-              <a:off x="4774018" y="2409332"/>
-              <a:ext cx="1531188" cy="253916"/>
-            </a:xfrm>
-            <a:prstGeom prst="rect">
-              <a:avLst/>
-            </a:prstGeom>
-            <a:noFill/>
-          </p:spPr>
-          <p:txBody>
-            <a:bodyPr wrap="none" rtlCol="0">
-              <a:spAutoFit/>
-            </a:bodyPr>
-            <a:lstStyle/>
-            <a:p>
-              <a:r>
-                <a:rPr lang="en-US" altLang="zh-TW" sz="1050" b="1" dirty="0" smtClean="0">
-                  <a:latin typeface="標楷體" panose="03000509000000000000" pitchFamily="65" charset="-120"/>
-                  <a:ea typeface="標楷體" panose="03000509000000000000" pitchFamily="65" charset="-120"/>
-                </a:rPr>
-                <a:t>[</a:t>
-              </a:r>
-              <a:r>
-                <a:rPr lang="zh-TW" altLang="en-US" sz="1050" b="1" dirty="0" smtClean="0">
-                  <a:latin typeface="標楷體" panose="03000509000000000000" pitchFamily="65" charset="-120"/>
-                  <a:ea typeface="標楷體" panose="03000509000000000000" pitchFamily="65" charset="-120"/>
-                </a:rPr>
-                <a:t>資料輸入是否正確？</a:t>
-              </a:r>
-              <a:r>
-                <a:rPr lang="en-US" altLang="zh-TW" sz="1050" b="1" dirty="0" smtClean="0">
-                  <a:latin typeface="標楷體" panose="03000509000000000000" pitchFamily="65" charset="-120"/>
-                  <a:ea typeface="標楷體" panose="03000509000000000000" pitchFamily="65" charset="-120"/>
-                </a:rPr>
-                <a:t>]</a:t>
-              </a:r>
-              <a:endParaRPr lang="zh-TW" altLang="en-US" sz="1050" b="1" dirty="0">
-                <a:latin typeface="標楷體" panose="03000509000000000000" pitchFamily="65" charset="-120"/>
-                <a:ea typeface="標楷體" panose="03000509000000000000" pitchFamily="65" charset="-120"/>
-              </a:endParaRPr>
-            </a:p>
-          </p:txBody>
-        </p:sp>
-        <p:cxnSp>
-          <p:nvCxnSpPr>
-            <p:cNvPr id="27" name="直線單箭頭接點 26"/>
-            <p:cNvCxnSpPr/>
-            <p:nvPr/>
-          </p:nvCxnSpPr>
-          <p:spPr>
-            <a:xfrm flipH="1">
-              <a:off x="4774018" y="3356895"/>
-              <a:ext cx="1" cy="349437"/>
-            </a:xfrm>
-            <a:prstGeom prst="straightConnector1">
-              <a:avLst/>
-            </a:prstGeom>
-            <a:ln>
-              <a:solidFill>
-                <a:srgbClr val="C00000"/>
-              </a:solidFill>
-              <a:tailEnd type="arrow"/>
-            </a:ln>
-          </p:spPr>
-          <p:style>
-            <a:lnRef idx="1">
-              <a:schemeClr val="accent1"/>
-            </a:lnRef>
-            <a:fillRef idx="0">
-              <a:schemeClr val="accent1"/>
-            </a:fillRef>
-            <a:effectRef idx="0">
-              <a:schemeClr val="accent1"/>
-            </a:effectRef>
-            <a:fontRef idx="minor">
-              <a:schemeClr val="tx1"/>
-            </a:fontRef>
-          </p:style>
-        </p:cxnSp>
-        <p:grpSp>
-          <p:nvGrpSpPr>
-            <p:cNvPr id="32" name="群組 31"/>
-            <p:cNvGrpSpPr/>
-            <p:nvPr/>
-          </p:nvGrpSpPr>
-          <p:grpSpPr>
-            <a:xfrm>
-              <a:off x="4527796" y="3706332"/>
-              <a:ext cx="492443" cy="600910"/>
-              <a:chOff x="4533925" y="5978194"/>
-              <a:chExt cx="492443" cy="600910"/>
-            </a:xfrm>
-          </p:grpSpPr>
-          <p:sp>
-            <p:nvSpPr>
-              <p:cNvPr id="28" name="橢圓 27"/>
-              <p:cNvSpPr/>
-              <p:nvPr/>
-            </p:nvSpPr>
-            <p:spPr>
-              <a:xfrm>
-                <a:off x="4670896" y="6030363"/>
-                <a:ext cx="228371" cy="216723"/>
-              </a:xfrm>
-              <a:prstGeom prst="ellipse">
-                <a:avLst/>
-              </a:prstGeom>
-              <a:solidFill>
-                <a:schemeClr val="accent6">
-                  <a:lumMod val="50000"/>
-                </a:schemeClr>
-              </a:solidFill>
-              <a:ln>
-                <a:solidFill>
-                  <a:schemeClr val="accent6">
-                    <a:lumMod val="50000"/>
-                  </a:schemeClr>
-                </a:solidFill>
-              </a:ln>
-            </p:spPr>
-            <p:style>
-              <a:lnRef idx="2">
-                <a:schemeClr val="accent1">
-                  <a:shade val="50000"/>
-                </a:schemeClr>
-              </a:lnRef>
-              <a:fillRef idx="1">
-                <a:schemeClr val="accent1"/>
-              </a:fillRef>
-              <a:effectRef idx="0">
-                <a:schemeClr val="accent1"/>
-              </a:effectRef>
-              <a:fontRef idx="minor">
-                <a:schemeClr val="lt1"/>
-              </a:fontRef>
-            </p:style>
-            <p:txBody>
-              <a:bodyPr rtlCol="0" anchor="ctr"/>
-              <a:lstStyle/>
-              <a:p>
-                <a:pPr algn="ctr"/>
-                <a:endParaRPr lang="zh-TW" altLang="en-US"/>
-              </a:p>
-            </p:txBody>
-          </p:sp>
-          <p:sp>
-            <p:nvSpPr>
-              <p:cNvPr id="29" name="橢圓 28"/>
-              <p:cNvSpPr/>
-              <p:nvPr/>
-            </p:nvSpPr>
-            <p:spPr>
-              <a:xfrm>
-                <a:off x="4619616" y="5978194"/>
-                <a:ext cx="321062" cy="321062"/>
-              </a:xfrm>
-              <a:prstGeom prst="ellipse">
-                <a:avLst/>
-              </a:prstGeom>
-              <a:noFill/>
-              <a:ln>
-                <a:solidFill>
-                  <a:schemeClr val="tx1"/>
-                </a:solidFill>
-              </a:ln>
-            </p:spPr>
-            <p:style>
-              <a:lnRef idx="2">
-                <a:schemeClr val="accent1">
-                  <a:shade val="50000"/>
-                </a:schemeClr>
-              </a:lnRef>
-              <a:fillRef idx="1">
-                <a:schemeClr val="accent1"/>
-              </a:fillRef>
-              <a:effectRef idx="0">
-                <a:schemeClr val="accent1"/>
-              </a:effectRef>
-              <a:fontRef idx="minor">
-                <a:schemeClr val="lt1"/>
-              </a:fontRef>
-            </p:style>
-            <p:txBody>
-              <a:bodyPr rtlCol="0" anchor="ctr"/>
-              <a:lstStyle/>
-              <a:p>
-                <a:pPr algn="ctr"/>
-                <a:endParaRPr lang="zh-TW" altLang="en-US"/>
-              </a:p>
-            </p:txBody>
-          </p:sp>
-          <p:sp>
-            <p:nvSpPr>
-              <p:cNvPr id="30" name="文字方塊 29"/>
-              <p:cNvSpPr txBox="1"/>
-              <p:nvPr/>
-            </p:nvSpPr>
-            <p:spPr>
-              <a:xfrm>
-                <a:off x="4533925" y="6302105"/>
-                <a:ext cx="492443" cy="276999"/>
-              </a:xfrm>
-              <a:prstGeom prst="rect">
-                <a:avLst/>
-              </a:prstGeom>
-              <a:noFill/>
-            </p:spPr>
-            <p:txBody>
-              <a:bodyPr wrap="none" rtlCol="0">
-                <a:spAutoFit/>
-              </a:bodyPr>
-              <a:lstStyle/>
-              <a:p>
-                <a:r>
-                  <a:rPr lang="zh-TW" altLang="en-US" sz="1200" b="1" dirty="0">
-                    <a:latin typeface="標楷體" panose="03000509000000000000" pitchFamily="65" charset="-120"/>
-                    <a:ea typeface="標楷體" panose="03000509000000000000" pitchFamily="65" charset="-120"/>
-                  </a:rPr>
-                  <a:t>結束</a:t>
-                </a:r>
-                <a:endParaRPr lang="zh-TW" altLang="en-US" sz="1200" b="1" dirty="0">
-                  <a:latin typeface="標楷體" panose="03000509000000000000" pitchFamily="65" charset="-120"/>
-                  <a:ea typeface="標楷體" panose="03000509000000000000" pitchFamily="65" charset="-120"/>
-                </a:endParaRPr>
-              </a:p>
-            </p:txBody>
-          </p:sp>
-        </p:grpSp>
-        <p:sp>
-          <p:nvSpPr>
-            <p:cNvPr id="33" name="文字方塊 32"/>
-            <p:cNvSpPr txBox="1"/>
-            <p:nvPr/>
-          </p:nvSpPr>
-          <p:spPr>
-            <a:xfrm>
-              <a:off x="4774699" y="3356895"/>
-              <a:ext cx="415498" cy="276999"/>
-            </a:xfrm>
-            <a:prstGeom prst="rect">
-              <a:avLst/>
-            </a:prstGeom>
-            <a:noFill/>
-          </p:spPr>
-          <p:txBody>
-            <a:bodyPr wrap="none" rtlCol="0">
-              <a:spAutoFit/>
-            </a:bodyPr>
-            <a:lstStyle/>
-            <a:p>
-              <a:r>
-                <a:rPr lang="en-US" altLang="zh-TW" sz="1200" b="1" dirty="0" smtClean="0">
-                  <a:latin typeface="標楷體" panose="03000509000000000000" pitchFamily="65" charset="-120"/>
-                  <a:ea typeface="標楷體" panose="03000509000000000000" pitchFamily="65" charset="-120"/>
-                </a:rPr>
-                <a:t>Yes</a:t>
-              </a:r>
-              <a:endParaRPr lang="zh-TW" altLang="en-US" sz="1200" b="1" dirty="0">
-                <a:latin typeface="標楷體" panose="03000509000000000000" pitchFamily="65" charset="-120"/>
-                <a:ea typeface="標楷體" panose="03000509000000000000" pitchFamily="65" charset="-120"/>
-              </a:endParaRPr>
-            </a:p>
-          </p:txBody>
-        </p:sp>
-        <p:sp>
-          <p:nvSpPr>
-            <p:cNvPr id="34" name="文字方塊 33"/>
-            <p:cNvSpPr txBox="1"/>
-            <p:nvPr/>
-          </p:nvSpPr>
-          <p:spPr>
-            <a:xfrm>
-              <a:off x="4120775" y="2779396"/>
-              <a:ext cx="338554" cy="276999"/>
-            </a:xfrm>
-            <a:prstGeom prst="rect">
-              <a:avLst/>
-            </a:prstGeom>
-            <a:noFill/>
-          </p:spPr>
-          <p:txBody>
-            <a:bodyPr wrap="none" rtlCol="0">
-              <a:spAutoFit/>
-            </a:bodyPr>
-            <a:lstStyle/>
-            <a:p>
-              <a:r>
-                <a:rPr lang="en-US" altLang="zh-TW" sz="1200" b="1" dirty="0" smtClean="0">
-                  <a:latin typeface="標楷體" panose="03000509000000000000" pitchFamily="65" charset="-120"/>
-                  <a:ea typeface="標楷體" panose="03000509000000000000" pitchFamily="65" charset="-120"/>
-                </a:rPr>
-                <a:t>No</a:t>
-              </a:r>
-              <a:endParaRPr lang="zh-TW" altLang="en-US" sz="1200" b="1" dirty="0">
-                <a:latin typeface="標楷體" panose="03000509000000000000" pitchFamily="65" charset="-120"/>
-                <a:ea typeface="標楷體" panose="03000509000000000000" pitchFamily="65" charset="-120"/>
-              </a:endParaRPr>
-            </a:p>
-          </p:txBody>
-        </p:sp>
-        <p:cxnSp>
-          <p:nvCxnSpPr>
-            <p:cNvPr id="38" name="肘形接點 37"/>
-            <p:cNvCxnSpPr>
-              <a:stCxn id="25" idx="1"/>
-              <a:endCxn id="10" idx="1"/>
-            </p:cNvCxnSpPr>
-            <p:nvPr/>
-          </p:nvCxnSpPr>
-          <p:spPr>
-            <a:xfrm rot="10800000">
-              <a:off x="4288708" y="2158006"/>
-              <a:ext cx="185274" cy="892042"/>
-            </a:xfrm>
-            <a:prstGeom prst="bentConnector3">
-              <a:avLst>
-                <a:gd name="adj1" fmla="val 223385"/>
-              </a:avLst>
-            </a:prstGeom>
-            <a:ln>
-              <a:solidFill>
-                <a:srgbClr val="C00000"/>
-              </a:solidFill>
-              <a:tailEnd type="arrow"/>
-            </a:ln>
-          </p:spPr>
-          <p:style>
-            <a:lnRef idx="1">
-              <a:schemeClr val="accent1"/>
-            </a:lnRef>
-            <a:fillRef idx="0">
-              <a:schemeClr val="accent1"/>
-            </a:fillRef>
-            <a:effectRef idx="0">
-              <a:schemeClr val="accent1"/>
-            </a:effectRef>
-            <a:fontRef idx="minor">
-              <a:schemeClr val="tx1"/>
-            </a:fontRef>
-          </p:style>
-        </p:cxnSp>
-        <p:cxnSp>
-          <p:nvCxnSpPr>
-            <p:cNvPr id="40" name="肘形接點 39"/>
-            <p:cNvCxnSpPr>
-              <a:stCxn id="15" idx="2"/>
+              <a:stCxn id="54" idx="2"/>
               <a:endCxn id="29" idx="6"/>
             </p:cNvCxnSpPr>
             <p:nvPr/>
           </p:nvCxnSpPr>
           <p:spPr>
             <a:xfrm rot="5400000">
-              <a:off x="5094827" y="2240295"/>
-              <a:ext cx="1466290" cy="1786846"/>
+              <a:off x="6319077" y="3039237"/>
+              <a:ext cx="718481" cy="2965966"/>
             </a:xfrm>
             <a:prstGeom prst="bentConnector2">
               <a:avLst/>
@@ -8609,7 +8642,7 @@
   <a:extraClrSchemeLst/>
   <a:extLst>
     <a:ext uri="{05A4C25C-085E-4340-85A3-A5531E510DB2}">
-      <thm15:themeFamily xmlns="" xmlns:thm15="http://schemas.microsoft.com/office/thememl/2012/main" name="Office Theme" id="{62F939B6-93AF-4DB8-9C6B-D6C7DFDC589F}" vid="{4A3C46E8-61CC-4603-A589-7422A47A8E4A}"/>
+      <thm15:themeFamily xmlns:thm15="http://schemas.microsoft.com/office/thememl/2012/main" name="Office Theme" id="{62F939B6-93AF-4DB8-9C6B-D6C7DFDC589F}" vid="{4A3C46E8-61CC-4603-A589-7422A47A8E4A}"/>
     </a:ext>
   </a:extLst>
 </a:theme>
